--- a/FEWorkshop-Week1.pptx
+++ b/FEWorkshop-Week1.pptx
@@ -247,7 +247,7 @@
           <a:p>
             <a:fld id="{A8E03A04-0626-44D4-B6D6-43B9D98023FD}" type="datetimeFigureOut">
               <a:rPr lang="en-US" smtClean="0"/>
-              <a:t>10/3/16</a:t>
+              <a:t>10/4/16</a:t>
             </a:fld>
             <a:endParaRPr lang="en-US"/>
           </a:p>
@@ -6959,14 +6959,14 @@
           </a:ln>
           <a:extLst>
             <a:ext uri="{909E8E84-426E-40dd-AFC4-6F175D3DCCD1}">
-              <a14:hiddenFill xmlns:a14="http://schemas.microsoft.com/office/drawing/2010/main" xmlns="">
+              <a14:hiddenFill xmlns="" xmlns:a14="http://schemas.microsoft.com/office/drawing/2010/main">
                 <a:solidFill>
                   <a:srgbClr val="FFFFFF"/>
                 </a:solidFill>
               </a14:hiddenFill>
             </a:ext>
             <a:ext uri="{91240B29-F687-4f45-9708-019B960494DF}">
-              <a14:hiddenLine xmlns:a14="http://schemas.microsoft.com/office/drawing/2010/main" xmlns="" w="12700">
+              <a14:hiddenLine xmlns="" xmlns:a14="http://schemas.microsoft.com/office/drawing/2010/main" w="12700">
                 <a:solidFill>
                   <a:srgbClr val="000000"/>
                 </a:solidFill>
@@ -7529,14 +7529,14 @@
           </a:ln>
           <a:extLst>
             <a:ext uri="{909E8E84-426E-40dd-AFC4-6F175D3DCCD1}">
-              <a14:hiddenFill xmlns:a14="http://schemas.microsoft.com/office/drawing/2010/main" xmlns="">
+              <a14:hiddenFill xmlns="" xmlns:a14="http://schemas.microsoft.com/office/drawing/2010/main">
                 <a:solidFill>
                   <a:srgbClr val="FFFFFF"/>
                 </a:solidFill>
               </a14:hiddenFill>
             </a:ext>
             <a:ext uri="{91240B29-F687-4f45-9708-019B960494DF}">
-              <a14:hiddenLine xmlns:a14="http://schemas.microsoft.com/office/drawing/2010/main" xmlns="" w="12700">
+              <a14:hiddenLine xmlns="" xmlns:a14="http://schemas.microsoft.com/office/drawing/2010/main" w="12700">
                 <a:solidFill>
                   <a:srgbClr val="000000"/>
                 </a:solidFill>
@@ -7636,14 +7636,14 @@
           </a:ln>
           <a:extLst>
             <a:ext uri="{909E8E84-426E-40dd-AFC4-6F175D3DCCD1}">
-              <a14:hiddenFill xmlns:a14="http://schemas.microsoft.com/office/drawing/2010/main" xmlns="">
+              <a14:hiddenFill xmlns="" xmlns:a14="http://schemas.microsoft.com/office/drawing/2010/main">
                 <a:solidFill>
                   <a:srgbClr val="FFFFFF"/>
                 </a:solidFill>
               </a14:hiddenFill>
             </a:ext>
             <a:ext uri="{91240B29-F687-4f45-9708-019B960494DF}">
-              <a14:hiddenLine xmlns:a14="http://schemas.microsoft.com/office/drawing/2010/main" xmlns="" w="12700">
+              <a14:hiddenLine xmlns="" xmlns:a14="http://schemas.microsoft.com/office/drawing/2010/main" w="12700">
                 <a:solidFill>
                   <a:srgbClr val="000000"/>
                 </a:solidFill>
@@ -8145,15 +8145,7 @@
                 <a:ea typeface="DIN Alternate" charset="0"/>
                 <a:cs typeface="DIN Alternate" charset="0"/>
               </a:rPr>
-              <a:t>Front End </a:t>
-            </a:r>
-            <a:r>
-              <a:rPr lang="en-US" dirty="0" smtClean="0">
-                <a:latin typeface="DIN Alternate" charset="0"/>
-                <a:ea typeface="DIN Alternate" charset="0"/>
-                <a:cs typeface="DIN Alternate" charset="0"/>
-              </a:rPr>
-              <a:t>Development workshop</a:t>
+              <a:t>Front End Development workshop</a:t>
             </a:r>
             <a:endParaRPr lang="en-US" dirty="0">
               <a:latin typeface="DIN Alternate" charset="0"/>
@@ -8259,11 +8251,6 @@
               </a:rPr>
               <a:t>page structure</a:t>
             </a:r>
-            <a:endParaRPr lang="en-US" sz="6000" dirty="0">
-              <a:latin typeface="DIN Alternate" charset="0"/>
-              <a:ea typeface="DIN Alternate" charset="0"/>
-              <a:cs typeface="DIN Alternate" charset="0"/>
-            </a:endParaRPr>
           </a:p>
         </p:txBody>
       </p:sp>
@@ -8699,11 +8686,6 @@
               </a:rPr>
               <a:t>page structure</a:t>
             </a:r>
-            <a:endParaRPr lang="en-US" sz="6000" dirty="0">
-              <a:latin typeface="DIN Alternate" charset="0"/>
-              <a:ea typeface="DIN Alternate" charset="0"/>
-              <a:cs typeface="DIN Alternate" charset="0"/>
-            </a:endParaRPr>
           </a:p>
         </p:txBody>
       </p:sp>
@@ -9161,11 +9143,6 @@
               </a:rPr>
               <a:t>page structure</a:t>
             </a:r>
-            <a:endParaRPr lang="en-US" sz="6000" dirty="0">
-              <a:latin typeface="DIN Alternate" charset="0"/>
-              <a:ea typeface="DIN Alternate" charset="0"/>
-              <a:cs typeface="DIN Alternate" charset="0"/>
-            </a:endParaRPr>
           </a:p>
         </p:txBody>
       </p:sp>
@@ -9675,11 +9652,6 @@
               </a:rPr>
               <a:t>page structure</a:t>
             </a:r>
-            <a:endParaRPr lang="en-US" sz="6000" dirty="0">
-              <a:latin typeface="DIN Alternate" charset="0"/>
-              <a:ea typeface="DIN Alternate" charset="0"/>
-              <a:cs typeface="DIN Alternate" charset="0"/>
-            </a:endParaRPr>
           </a:p>
         </p:txBody>
       </p:sp>
@@ -10657,14 +10629,6 @@
               </a:rPr>
               <a:t>Aside (headline, paragraph)</a:t>
             </a:r>
-            <a:endParaRPr lang="en-US" sz="2800" dirty="0">
-              <a:solidFill>
-                <a:schemeClr val="bg1"/>
-              </a:solidFill>
-              <a:latin typeface="DIN Alternate" charset="0"/>
-              <a:ea typeface="DIN Alternate" charset="0"/>
-              <a:cs typeface="DIN Alternate" charset="0"/>
-            </a:endParaRPr>
           </a:p>
         </p:txBody>
       </p:sp>
@@ -11180,14 +11144,6 @@
               </a:rPr>
               <a:t>/ JS (jQuery) - basics</a:t>
             </a:r>
-            <a:endParaRPr lang="en-US" sz="2800" dirty="0">
-              <a:solidFill>
-                <a:schemeClr val="bg1"/>
-              </a:solidFill>
-              <a:latin typeface="DIN Alternate" charset="0"/>
-              <a:ea typeface="DIN Alternate" charset="0"/>
-              <a:cs typeface="DIN Alternate" charset="0"/>
-            </a:endParaRPr>
           </a:p>
         </p:txBody>
       </p:sp>
@@ -11304,7 +11260,7 @@
         <p:spPr>
           <a:xfrm>
             <a:off x="685800" y="1589291"/>
-            <a:ext cx="10658959" cy="2031325"/>
+            <a:ext cx="10658959" cy="4616648"/>
           </a:xfrm>
           <a:prstGeom prst="rect">
             <a:avLst/>
@@ -11331,7 +11287,40 @@
                 <a:ea typeface="DIN Alternate" charset="0"/>
                 <a:cs typeface="DIN Alternate" charset="0"/>
               </a:rPr>
-              <a:t>Available on Google Drive each week:</a:t>
+              <a:t>Available on </a:t>
+            </a:r>
+            <a:r>
+              <a:rPr lang="en-US" sz="2800" dirty="0" err="1" smtClean="0">
+                <a:solidFill>
+                  <a:schemeClr val="bg1"/>
+                </a:solidFill>
+                <a:latin typeface="DIN Alternate" charset="0"/>
+                <a:ea typeface="DIN Alternate" charset="0"/>
+                <a:cs typeface="DIN Alternate" charset="0"/>
+              </a:rPr>
+              <a:t>Github</a:t>
+            </a:r>
+            <a:r>
+              <a:rPr lang="en-US" sz="2800" dirty="0" smtClean="0">
+                <a:solidFill>
+                  <a:schemeClr val="bg1"/>
+                </a:solidFill>
+                <a:latin typeface="DIN Alternate" charset="0"/>
+                <a:ea typeface="DIN Alternate" charset="0"/>
+                <a:cs typeface="DIN Alternate" charset="0"/>
+              </a:rPr>
+              <a:t> each </a:t>
+            </a:r>
+            <a:r>
+              <a:rPr lang="en-US" sz="2800" dirty="0" smtClean="0">
+                <a:solidFill>
+                  <a:schemeClr val="bg1"/>
+                </a:solidFill>
+                <a:latin typeface="DIN Alternate" charset="0"/>
+                <a:ea typeface="DIN Alternate" charset="0"/>
+                <a:cs typeface="DIN Alternate" charset="0"/>
+              </a:rPr>
+              <a:t>week:</a:t>
             </a:r>
           </a:p>
           <a:p>
@@ -11379,7 +11368,93 @@
                 <a:ea typeface="DIN Alternate" charset="0"/>
                 <a:cs typeface="DIN Alternate" charset="0"/>
               </a:rPr>
-              <a:t>Code examples</a:t>
+              <a:t>Code </a:t>
+            </a:r>
+            <a:r>
+              <a:rPr lang="en-US" sz="2800" dirty="0" smtClean="0">
+                <a:solidFill>
+                  <a:schemeClr val="bg1"/>
+                </a:solidFill>
+                <a:latin typeface="DIN Alternate" charset="0"/>
+                <a:ea typeface="DIN Alternate" charset="0"/>
+                <a:cs typeface="DIN Alternate" charset="0"/>
+              </a:rPr>
+              <a:t>examples</a:t>
+            </a:r>
+          </a:p>
+          <a:p>
+            <a:pPr marL="457200" indent="-457200">
+              <a:lnSpc>
+                <a:spcPct val="150000"/>
+              </a:lnSpc>
+              <a:buFont typeface="Arial" charset="0"/>
+              <a:buChar char="•"/>
+            </a:pPr>
+            <a:endParaRPr lang="en-US" sz="2800" dirty="0">
+              <a:solidFill>
+                <a:schemeClr val="bg1"/>
+              </a:solidFill>
+              <a:latin typeface="DIN Alternate" charset="0"/>
+              <a:ea typeface="DIN Alternate" charset="0"/>
+              <a:cs typeface="DIN Alternate" charset="0"/>
+            </a:endParaRPr>
+          </a:p>
+          <a:p>
+            <a:pPr>
+              <a:lnSpc>
+                <a:spcPct val="150000"/>
+              </a:lnSpc>
+            </a:pPr>
+            <a:r>
+              <a:rPr lang="en-US" sz="2800" dirty="0" smtClean="0">
+                <a:solidFill>
+                  <a:schemeClr val="bg1"/>
+                </a:solidFill>
+                <a:latin typeface="DIN Alternate" charset="0"/>
+                <a:ea typeface="DIN Alternate" charset="0"/>
+                <a:cs typeface="DIN Alternate" charset="0"/>
+              </a:rPr>
+              <a:t>Slack Channel:</a:t>
+            </a:r>
+          </a:p>
+          <a:p>
+            <a:pPr marL="457200" indent="-457200">
+              <a:lnSpc>
+                <a:spcPct val="150000"/>
+              </a:lnSpc>
+              <a:buFont typeface="Arial" charset="0"/>
+              <a:buChar char="•"/>
+            </a:pPr>
+            <a:r>
+              <a:rPr lang="en-US" sz="2800" dirty="0" smtClean="0">
+                <a:solidFill>
+                  <a:schemeClr val="bg1"/>
+                </a:solidFill>
+                <a:latin typeface="DIN Alternate" charset="0"/>
+                <a:ea typeface="DIN Alternate" charset="0"/>
+                <a:cs typeface="DIN Alternate" charset="0"/>
+              </a:rPr>
+              <a:t>Links (pinned)</a:t>
+            </a:r>
+          </a:p>
+          <a:p>
+            <a:pPr marL="457200" indent="-457200">
+              <a:lnSpc>
+                <a:spcPct val="150000"/>
+              </a:lnSpc>
+              <a:buFont typeface="Arial" charset="0"/>
+              <a:buChar char="•"/>
+            </a:pPr>
+            <a:r>
+              <a:rPr lang="en-US" sz="2800" dirty="0" smtClean="0">
+                <a:solidFill>
+                  <a:schemeClr val="bg1"/>
+                </a:solidFill>
+                <a:latin typeface="DIN Alternate" charset="0"/>
+                <a:ea typeface="DIN Alternate" charset="0"/>
+                <a:cs typeface="DIN Alternate" charset="0"/>
+              </a:rPr>
+              <a:t>Online help</a:t>
             </a:r>
           </a:p>
         </p:txBody>
@@ -11528,14 +11603,6 @@
               </a:rPr>
               <a:t>Intro &amp; set up (25 mins)</a:t>
             </a:r>
-            <a:endParaRPr lang="en-US" sz="2800" dirty="0" smtClean="0">
-              <a:solidFill>
-                <a:schemeClr val="bg1"/>
-              </a:solidFill>
-              <a:latin typeface="DIN Alternate" charset="0"/>
-              <a:ea typeface="DIN Alternate" charset="0"/>
-              <a:cs typeface="DIN Alternate" charset="0"/>
-            </a:endParaRPr>
           </a:p>
           <a:p>
             <a:pPr marL="457200" indent="-457200">
@@ -11673,11 +11740,6 @@
               </a:rPr>
               <a:t>page structure</a:t>
             </a:r>
-            <a:endParaRPr lang="en-US" sz="6000" dirty="0">
-              <a:latin typeface="DIN Alternate" charset="0"/>
-              <a:ea typeface="DIN Alternate" charset="0"/>
-              <a:cs typeface="DIN Alternate" charset="0"/>
-            </a:endParaRPr>
           </a:p>
         </p:txBody>
       </p:sp>
@@ -11886,11 +11948,6 @@
               </a:rPr>
               <a:t>page structure</a:t>
             </a:r>
-            <a:endParaRPr lang="en-US" sz="6000" dirty="0">
-              <a:latin typeface="DIN Alternate" charset="0"/>
-              <a:ea typeface="DIN Alternate" charset="0"/>
-              <a:cs typeface="DIN Alternate" charset="0"/>
-            </a:endParaRPr>
           </a:p>
         </p:txBody>
       </p:sp>
@@ -12230,11 +12287,6 @@
               </a:rPr>
               <a:t>page structure</a:t>
             </a:r>
-            <a:endParaRPr lang="en-US" sz="6000" dirty="0">
-              <a:latin typeface="DIN Alternate" charset="0"/>
-              <a:ea typeface="DIN Alternate" charset="0"/>
-              <a:cs typeface="DIN Alternate" charset="0"/>
-            </a:endParaRPr>
           </a:p>
         </p:txBody>
       </p:sp>
@@ -12574,11 +12626,6 @@
               </a:rPr>
               <a:t>page structure</a:t>
             </a:r>
-            <a:endParaRPr lang="en-US" sz="6000" dirty="0">
-              <a:latin typeface="DIN Alternate" charset="0"/>
-              <a:ea typeface="DIN Alternate" charset="0"/>
-              <a:cs typeface="DIN Alternate" charset="0"/>
-            </a:endParaRPr>
           </a:p>
         </p:txBody>
       </p:sp>
@@ -12940,11 +12987,6 @@
               </a:rPr>
               <a:t>page structure</a:t>
             </a:r>
-            <a:endParaRPr lang="en-US" sz="6000" dirty="0">
-              <a:latin typeface="DIN Alternate" charset="0"/>
-              <a:ea typeface="DIN Alternate" charset="0"/>
-              <a:cs typeface="DIN Alternate" charset="0"/>
-            </a:endParaRPr>
           </a:p>
         </p:txBody>
       </p:sp>

--- a/FEWorkshop-Week1.pptx
+++ b/FEWorkshop-Week1.pptx
@@ -6,25 +6,27 @@
     <p:sldMasterId id="2147483757" r:id="rId5"/>
   </p:sldMasterIdLst>
   <p:notesMasterIdLst>
-    <p:notesMasterId r:id="rId22"/>
+    <p:notesMasterId r:id="rId24"/>
   </p:notesMasterIdLst>
   <p:sldIdLst>
     <p:sldId id="277" r:id="rId6"/>
     <p:sldId id="307" r:id="rId7"/>
     <p:sldId id="311" r:id="rId8"/>
     <p:sldId id="309" r:id="rId9"/>
-    <p:sldId id="308" r:id="rId10"/>
-    <p:sldId id="310" r:id="rId11"/>
-    <p:sldId id="320" r:id="rId12"/>
-    <p:sldId id="314" r:id="rId13"/>
-    <p:sldId id="315" r:id="rId14"/>
-    <p:sldId id="316" r:id="rId15"/>
-    <p:sldId id="317" r:id="rId16"/>
-    <p:sldId id="318" r:id="rId17"/>
-    <p:sldId id="319" r:id="rId18"/>
-    <p:sldId id="312" r:id="rId19"/>
-    <p:sldId id="321" r:id="rId20"/>
-    <p:sldId id="313" r:id="rId21"/>
+    <p:sldId id="322" r:id="rId10"/>
+    <p:sldId id="323" r:id="rId11"/>
+    <p:sldId id="308" r:id="rId12"/>
+    <p:sldId id="310" r:id="rId13"/>
+    <p:sldId id="320" r:id="rId14"/>
+    <p:sldId id="314" r:id="rId15"/>
+    <p:sldId id="315" r:id="rId16"/>
+    <p:sldId id="316" r:id="rId17"/>
+    <p:sldId id="317" r:id="rId18"/>
+    <p:sldId id="318" r:id="rId19"/>
+    <p:sldId id="319" r:id="rId20"/>
+    <p:sldId id="312" r:id="rId21"/>
+    <p:sldId id="321" r:id="rId22"/>
+    <p:sldId id="313" r:id="rId23"/>
   </p:sldIdLst>
   <p:sldSz cx="12192000" cy="6858000"/>
   <p:notesSz cx="6858000" cy="9144000"/>
@@ -673,7 +675,7 @@
     </p:spTree>
     <p:extLst>
       <p:ext uri="{BB962C8B-B14F-4D97-AF65-F5344CB8AC3E}">
-        <p14:creationId xmlns:p14="http://schemas.microsoft.com/office/powerpoint/2010/main" val="1496908850"/>
+        <p14:creationId xmlns:p14="http://schemas.microsoft.com/office/powerpoint/2010/main" val="945448575"/>
       </p:ext>
     </p:extLst>
   </p:cSld>
@@ -757,7 +759,7 @@
     </p:spTree>
     <p:extLst>
       <p:ext uri="{BB962C8B-B14F-4D97-AF65-F5344CB8AC3E}">
-        <p14:creationId xmlns:p14="http://schemas.microsoft.com/office/powerpoint/2010/main" val="1934553479"/>
+        <p14:creationId xmlns:p14="http://schemas.microsoft.com/office/powerpoint/2010/main" val="282845150"/>
       </p:ext>
     </p:extLst>
   </p:cSld>
@@ -841,7 +843,7 @@
     </p:spTree>
     <p:extLst>
       <p:ext uri="{BB962C8B-B14F-4D97-AF65-F5344CB8AC3E}">
-        <p14:creationId xmlns:p14="http://schemas.microsoft.com/office/powerpoint/2010/main" val="1725111079"/>
+        <p14:creationId xmlns:p14="http://schemas.microsoft.com/office/powerpoint/2010/main" val="1496908850"/>
       </p:ext>
     </p:extLst>
   </p:cSld>
@@ -925,7 +927,7 @@
     </p:spTree>
     <p:extLst>
       <p:ext uri="{BB962C8B-B14F-4D97-AF65-F5344CB8AC3E}">
-        <p14:creationId xmlns:p14="http://schemas.microsoft.com/office/powerpoint/2010/main" val="1927626070"/>
+        <p14:creationId xmlns:p14="http://schemas.microsoft.com/office/powerpoint/2010/main" val="1934553479"/>
       </p:ext>
     </p:extLst>
   </p:cSld>
@@ -1009,7 +1011,7 @@
     </p:spTree>
     <p:extLst>
       <p:ext uri="{BB962C8B-B14F-4D97-AF65-F5344CB8AC3E}">
-        <p14:creationId xmlns:p14="http://schemas.microsoft.com/office/powerpoint/2010/main" val="1537353477"/>
+        <p14:creationId xmlns:p14="http://schemas.microsoft.com/office/powerpoint/2010/main" val="1725111079"/>
       </p:ext>
     </p:extLst>
   </p:cSld>
@@ -1085,6 +1087,174 @@
             <a:fld id="{08A34052-12FB-4B01-8A2E-D87AD7371E95}" type="slidenum">
               <a:rPr lang="en-US" smtClean="0"/>
               <a:t>16</a:t>
+            </a:fld>
+            <a:endParaRPr lang="en-US"/>
+          </a:p>
+        </p:txBody>
+      </p:sp>
+    </p:spTree>
+    <p:extLst>
+      <p:ext uri="{BB962C8B-B14F-4D97-AF65-F5344CB8AC3E}">
+        <p14:creationId xmlns:p14="http://schemas.microsoft.com/office/powerpoint/2010/main" val="1927626070"/>
+      </p:ext>
+    </p:extLst>
+  </p:cSld>
+  <p:clrMapOvr>
+    <a:masterClrMapping/>
+  </p:clrMapOvr>
+</p:notes>
+</file>
+
+<file path=ppt/notesSlides/notesSlide16.xml><?xml version="1.0" encoding="utf-8"?>
+<p:notes xmlns:a="http://schemas.openxmlformats.org/drawingml/2006/main" xmlns:r="http://schemas.openxmlformats.org/officeDocument/2006/relationships" xmlns:p="http://schemas.openxmlformats.org/presentationml/2006/main">
+  <p:cSld>
+    <p:spTree>
+      <p:nvGrpSpPr>
+        <p:cNvPr id="1" name=""/>
+        <p:cNvGrpSpPr/>
+        <p:nvPr/>
+      </p:nvGrpSpPr>
+      <p:grpSpPr>
+        <a:xfrm>
+          <a:off x="0" y="0"/>
+          <a:ext cx="0" cy="0"/>
+          <a:chOff x="0" y="0"/>
+          <a:chExt cx="0" cy="0"/>
+        </a:xfrm>
+      </p:grpSpPr>
+      <p:sp>
+        <p:nvSpPr>
+          <p:cNvPr id="2" name="Slide Image Placeholder 1"/>
+          <p:cNvSpPr>
+            <a:spLocks noGrp="1" noRot="1" noChangeAspect="1"/>
+          </p:cNvSpPr>
+          <p:nvPr>
+            <p:ph type="sldImg"/>
+          </p:nvPr>
+        </p:nvSpPr>
+        <p:spPr/>
+      </p:sp>
+      <p:sp>
+        <p:nvSpPr>
+          <p:cNvPr id="3" name="Notes Placeholder 2"/>
+          <p:cNvSpPr>
+            <a:spLocks noGrp="1"/>
+          </p:cNvSpPr>
+          <p:nvPr>
+            <p:ph type="body" idx="1"/>
+          </p:nvPr>
+        </p:nvSpPr>
+        <p:spPr/>
+        <p:txBody>
+          <a:bodyPr/>
+          <a:lstStyle/>
+          <a:p>
+            <a:endParaRPr lang="en-US" dirty="0"/>
+          </a:p>
+        </p:txBody>
+      </p:sp>
+      <p:sp>
+        <p:nvSpPr>
+          <p:cNvPr id="4" name="Slide Number Placeholder 3"/>
+          <p:cNvSpPr>
+            <a:spLocks noGrp="1"/>
+          </p:cNvSpPr>
+          <p:nvPr>
+            <p:ph type="sldNum" sz="quarter" idx="10"/>
+          </p:nvPr>
+        </p:nvSpPr>
+        <p:spPr/>
+        <p:txBody>
+          <a:bodyPr/>
+          <a:lstStyle/>
+          <a:p>
+            <a:fld id="{08A34052-12FB-4B01-8A2E-D87AD7371E95}" type="slidenum">
+              <a:rPr lang="en-US" smtClean="0"/>
+              <a:t>17</a:t>
+            </a:fld>
+            <a:endParaRPr lang="en-US"/>
+          </a:p>
+        </p:txBody>
+      </p:sp>
+    </p:spTree>
+    <p:extLst>
+      <p:ext uri="{BB962C8B-B14F-4D97-AF65-F5344CB8AC3E}">
+        <p14:creationId xmlns:p14="http://schemas.microsoft.com/office/powerpoint/2010/main" val="1537353477"/>
+      </p:ext>
+    </p:extLst>
+  </p:cSld>
+  <p:clrMapOvr>
+    <a:masterClrMapping/>
+  </p:clrMapOvr>
+</p:notes>
+</file>
+
+<file path=ppt/notesSlides/notesSlide17.xml><?xml version="1.0" encoding="utf-8"?>
+<p:notes xmlns:a="http://schemas.openxmlformats.org/drawingml/2006/main" xmlns:r="http://schemas.openxmlformats.org/officeDocument/2006/relationships" xmlns:p="http://schemas.openxmlformats.org/presentationml/2006/main">
+  <p:cSld>
+    <p:spTree>
+      <p:nvGrpSpPr>
+        <p:cNvPr id="1" name=""/>
+        <p:cNvGrpSpPr/>
+        <p:nvPr/>
+      </p:nvGrpSpPr>
+      <p:grpSpPr>
+        <a:xfrm>
+          <a:off x="0" y="0"/>
+          <a:ext cx="0" cy="0"/>
+          <a:chOff x="0" y="0"/>
+          <a:chExt cx="0" cy="0"/>
+        </a:xfrm>
+      </p:grpSpPr>
+      <p:sp>
+        <p:nvSpPr>
+          <p:cNvPr id="2" name="Slide Image Placeholder 1"/>
+          <p:cNvSpPr>
+            <a:spLocks noGrp="1" noRot="1" noChangeAspect="1"/>
+          </p:cNvSpPr>
+          <p:nvPr>
+            <p:ph type="sldImg"/>
+          </p:nvPr>
+        </p:nvSpPr>
+        <p:spPr/>
+      </p:sp>
+      <p:sp>
+        <p:nvSpPr>
+          <p:cNvPr id="3" name="Notes Placeholder 2"/>
+          <p:cNvSpPr>
+            <a:spLocks noGrp="1"/>
+          </p:cNvSpPr>
+          <p:nvPr>
+            <p:ph type="body" idx="1"/>
+          </p:nvPr>
+        </p:nvSpPr>
+        <p:spPr/>
+        <p:txBody>
+          <a:bodyPr/>
+          <a:lstStyle/>
+          <a:p>
+            <a:endParaRPr lang="en-US" dirty="0"/>
+          </a:p>
+        </p:txBody>
+      </p:sp>
+      <p:sp>
+        <p:nvSpPr>
+          <p:cNvPr id="4" name="Slide Number Placeholder 3"/>
+          <p:cNvSpPr>
+            <a:spLocks noGrp="1"/>
+          </p:cNvSpPr>
+          <p:nvPr>
+            <p:ph type="sldNum" sz="quarter" idx="10"/>
+          </p:nvPr>
+        </p:nvSpPr>
+        <p:spPr/>
+        <p:txBody>
+          <a:bodyPr/>
+          <a:lstStyle/>
+          <a:p>
+            <a:fld id="{08A34052-12FB-4B01-8A2E-D87AD7371E95}" type="slidenum">
+              <a:rPr lang="en-US" smtClean="0"/>
+              <a:t>18</a:t>
             </a:fld>
             <a:endParaRPr lang="en-US"/>
           </a:p>
@@ -1345,7 +1515,7 @@
     </p:spTree>
     <p:extLst>
       <p:ext uri="{BB962C8B-B14F-4D97-AF65-F5344CB8AC3E}">
-        <p14:creationId xmlns:p14="http://schemas.microsoft.com/office/powerpoint/2010/main" val="1630031563"/>
+        <p14:creationId xmlns:p14="http://schemas.microsoft.com/office/powerpoint/2010/main" val="715580081"/>
       </p:ext>
     </p:extLst>
   </p:cSld>
@@ -1429,7 +1599,7 @@
     </p:spTree>
     <p:extLst>
       <p:ext uri="{BB962C8B-B14F-4D97-AF65-F5344CB8AC3E}">
-        <p14:creationId xmlns:p14="http://schemas.microsoft.com/office/powerpoint/2010/main" val="703281493"/>
+        <p14:creationId xmlns:p14="http://schemas.microsoft.com/office/powerpoint/2010/main" val="1034736588"/>
       </p:ext>
     </p:extLst>
   </p:cSld>
@@ -1513,7 +1683,7 @@
     </p:spTree>
     <p:extLst>
       <p:ext uri="{BB962C8B-B14F-4D97-AF65-F5344CB8AC3E}">
-        <p14:creationId xmlns:p14="http://schemas.microsoft.com/office/powerpoint/2010/main" val="862724445"/>
+        <p14:creationId xmlns:p14="http://schemas.microsoft.com/office/powerpoint/2010/main" val="1630031563"/>
       </p:ext>
     </p:extLst>
   </p:cSld>
@@ -1597,7 +1767,7 @@
     </p:spTree>
     <p:extLst>
       <p:ext uri="{BB962C8B-B14F-4D97-AF65-F5344CB8AC3E}">
-        <p14:creationId xmlns:p14="http://schemas.microsoft.com/office/powerpoint/2010/main" val="2126786521"/>
+        <p14:creationId xmlns:p14="http://schemas.microsoft.com/office/powerpoint/2010/main" val="703281493"/>
       </p:ext>
     </p:extLst>
   </p:cSld>
@@ -1681,7 +1851,7 @@
     </p:spTree>
     <p:extLst>
       <p:ext uri="{BB962C8B-B14F-4D97-AF65-F5344CB8AC3E}">
-        <p14:creationId xmlns:p14="http://schemas.microsoft.com/office/powerpoint/2010/main" val="945448575"/>
+        <p14:creationId xmlns:p14="http://schemas.microsoft.com/office/powerpoint/2010/main" val="862724445"/>
       </p:ext>
     </p:extLst>
   </p:cSld>
@@ -1765,7 +1935,7 @@
     </p:spTree>
     <p:extLst>
       <p:ext uri="{BB962C8B-B14F-4D97-AF65-F5344CB8AC3E}">
-        <p14:creationId xmlns:p14="http://schemas.microsoft.com/office/powerpoint/2010/main" val="282845150"/>
+        <p14:creationId xmlns:p14="http://schemas.microsoft.com/office/powerpoint/2010/main" val="2126786521"/>
       </p:ext>
     </p:extLst>
   </p:cSld>
@@ -6959,14 +7129,14 @@
           </a:ln>
           <a:extLst>
             <a:ext uri="{909E8E84-426E-40dd-AFC4-6F175D3DCCD1}">
-              <a14:hiddenFill xmlns="" xmlns:a14="http://schemas.microsoft.com/office/drawing/2010/main">
+              <a14:hiddenFill xmlns:a14="http://schemas.microsoft.com/office/drawing/2010/main" xmlns="">
                 <a:solidFill>
                   <a:srgbClr val="FFFFFF"/>
                 </a:solidFill>
               </a14:hiddenFill>
             </a:ext>
             <a:ext uri="{91240B29-F687-4f45-9708-019B960494DF}">
-              <a14:hiddenLine xmlns="" xmlns:a14="http://schemas.microsoft.com/office/drawing/2010/main" w="12700">
+              <a14:hiddenLine xmlns:a14="http://schemas.microsoft.com/office/drawing/2010/main" xmlns="" w="12700">
                 <a:solidFill>
                   <a:srgbClr val="000000"/>
                 </a:solidFill>
@@ -7529,14 +7699,14 @@
           </a:ln>
           <a:extLst>
             <a:ext uri="{909E8E84-426E-40dd-AFC4-6F175D3DCCD1}">
-              <a14:hiddenFill xmlns="" xmlns:a14="http://schemas.microsoft.com/office/drawing/2010/main">
+              <a14:hiddenFill xmlns:a14="http://schemas.microsoft.com/office/drawing/2010/main" xmlns="">
                 <a:solidFill>
                   <a:srgbClr val="FFFFFF"/>
                 </a:solidFill>
               </a14:hiddenFill>
             </a:ext>
             <a:ext uri="{91240B29-F687-4f45-9708-019B960494DF}">
-              <a14:hiddenLine xmlns="" xmlns:a14="http://schemas.microsoft.com/office/drawing/2010/main" w="12700">
+              <a14:hiddenLine xmlns:a14="http://schemas.microsoft.com/office/drawing/2010/main" xmlns="" w="12700">
                 <a:solidFill>
                   <a:srgbClr val="000000"/>
                 </a:solidFill>
@@ -7636,14 +7806,14 @@
           </a:ln>
           <a:extLst>
             <a:ext uri="{909E8E84-426E-40dd-AFC4-6F175D3DCCD1}">
-              <a14:hiddenFill xmlns="" xmlns:a14="http://schemas.microsoft.com/office/drawing/2010/main">
+              <a14:hiddenFill xmlns:a14="http://schemas.microsoft.com/office/drawing/2010/main" xmlns="">
                 <a:solidFill>
                   <a:srgbClr val="FFFFFF"/>
                 </a:solidFill>
               </a14:hiddenFill>
             </a:ext>
             <a:ext uri="{91240B29-F687-4f45-9708-019B960494DF}">
-              <a14:hiddenLine xmlns="" xmlns:a14="http://schemas.microsoft.com/office/drawing/2010/main" w="12700">
+              <a14:hiddenLine xmlns:a14="http://schemas.microsoft.com/office/drawing/2010/main" xmlns="" w="12700">
                 <a:solidFill>
                   <a:srgbClr val="000000"/>
                 </a:solidFill>
@@ -8429,29 +8599,7 @@
                 <a:ea typeface="DIN Alternate" charset="0"/>
                 <a:cs typeface="DIN Alternate" charset="0"/>
               </a:rPr>
-              <a:t>&lt;</a:t>
-            </a:r>
-            <a:r>
-              <a:rPr lang="en-US" sz="2800" dirty="0">
-                <a:solidFill>
-                  <a:schemeClr val="bg1"/>
-                </a:solidFill>
-                <a:latin typeface="DIN Alternate" charset="0"/>
-                <a:ea typeface="DIN Alternate" charset="0"/>
-                <a:cs typeface="DIN Alternate" charset="0"/>
-              </a:rPr>
-              <a:t>body</a:t>
-            </a:r>
-            <a:r>
-              <a:rPr lang="en-US" sz="2800" dirty="0" smtClean="0">
-                <a:solidFill>
-                  <a:schemeClr val="bg1"/>
-                </a:solidFill>
-                <a:latin typeface="DIN Alternate" charset="0"/>
-                <a:ea typeface="DIN Alternate" charset="0"/>
-                <a:cs typeface="DIN Alternate" charset="0"/>
-              </a:rPr>
-              <a:t>&gt; - Contains the content of the page</a:t>
+              <a:t>&lt;body&gt; </a:t>
             </a:r>
           </a:p>
           <a:p>
@@ -8469,60 +8617,8 @@
                 <a:ea typeface="DIN Alternate" charset="0"/>
                 <a:cs typeface="DIN Alternate" charset="0"/>
               </a:rPr>
-              <a:t>&lt;</a:t>
-            </a:r>
-            <a:r>
-              <a:rPr lang="en-US" sz="2800" dirty="0">
-                <a:solidFill>
-                  <a:schemeClr val="bg1"/>
-                </a:solidFill>
-                <a:latin typeface="DIN Alternate" charset="0"/>
-                <a:ea typeface="DIN Alternate" charset="0"/>
-                <a:cs typeface="DIN Alternate" charset="0"/>
-              </a:rPr>
-              <a:t>header</a:t>
-            </a:r>
-            <a:r>
-              <a:rPr lang="en-US" sz="2800" dirty="0" smtClean="0">
-                <a:solidFill>
-                  <a:schemeClr val="bg1"/>
-                </a:solidFill>
-                <a:latin typeface="DIN Alternate" charset="0"/>
-                <a:ea typeface="DIN Alternate" charset="0"/>
-                <a:cs typeface="DIN Alternate" charset="0"/>
-              </a:rPr>
-              <a:t>&gt; - Headlines, summaries, </a:t>
-            </a:r>
-            <a:r>
-              <a:rPr lang="en-US" sz="2800" dirty="0" err="1" smtClean="0">
-                <a:solidFill>
-                  <a:schemeClr val="bg1"/>
-                </a:solidFill>
-                <a:latin typeface="DIN Alternate" charset="0"/>
-                <a:ea typeface="DIN Alternate" charset="0"/>
-                <a:cs typeface="DIN Alternate" charset="0"/>
-              </a:rPr>
-              <a:t>etc</a:t>
-            </a:r>
-            <a:r>
-              <a:rPr lang="is-IS" sz="2800" dirty="0" smtClean="0">
-                <a:solidFill>
-                  <a:schemeClr val="bg1"/>
-                </a:solidFill>
-                <a:latin typeface="DIN Alternate" charset="0"/>
-                <a:ea typeface="DIN Alternate" charset="0"/>
-                <a:cs typeface="DIN Alternate" charset="0"/>
-              </a:rPr>
-              <a:t>…</a:t>
-            </a:r>
-            <a:endParaRPr lang="en-US" sz="2800" dirty="0" smtClean="0">
-              <a:solidFill>
-                <a:schemeClr val="bg1"/>
-              </a:solidFill>
-              <a:latin typeface="DIN Alternate" charset="0"/>
-              <a:ea typeface="DIN Alternate" charset="0"/>
-              <a:cs typeface="DIN Alternate" charset="0"/>
-            </a:endParaRPr>
+              <a:t>&lt;header&gt;</a:t>
+            </a:r>
           </a:p>
           <a:p>
             <a:pPr>
@@ -8539,7 +8635,7 @@
                 <a:ea typeface="DIN Alternate" charset="0"/>
                 <a:cs typeface="DIN Alternate" charset="0"/>
               </a:rPr>
-              <a:t>&lt;main&gt; </a:t>
+              <a:t>&lt;main&gt;</a:t>
             </a:r>
           </a:p>
           <a:p>
@@ -8623,7 +8719,7 @@
     </p:spTree>
     <p:extLst>
       <p:ext uri="{BB962C8B-B14F-4D97-AF65-F5344CB8AC3E}">
-        <p14:creationId xmlns:p14="http://schemas.microsoft.com/office/powerpoint/2010/main" val="770105717"/>
+        <p14:creationId xmlns:p14="http://schemas.microsoft.com/office/powerpoint/2010/main" val="1600357707"/>
       </p:ext>
     </p:extLst>
   </p:cSld>
@@ -8904,60 +9000,8 @@
                 <a:ea typeface="DIN Alternate" charset="0"/>
                 <a:cs typeface="DIN Alternate" charset="0"/>
               </a:rPr>
-              <a:t>&lt;</a:t>
-            </a:r>
-            <a:r>
-              <a:rPr lang="en-US" sz="2800" dirty="0">
-                <a:solidFill>
-                  <a:schemeClr val="bg1"/>
-                </a:solidFill>
-                <a:latin typeface="DIN Alternate" charset="0"/>
-                <a:ea typeface="DIN Alternate" charset="0"/>
-                <a:cs typeface="DIN Alternate" charset="0"/>
-              </a:rPr>
-              <a:t>header</a:t>
-            </a:r>
-            <a:r>
-              <a:rPr lang="en-US" sz="2800" dirty="0" smtClean="0">
-                <a:solidFill>
-                  <a:schemeClr val="bg1"/>
-                </a:solidFill>
-                <a:latin typeface="DIN Alternate" charset="0"/>
-                <a:ea typeface="DIN Alternate" charset="0"/>
-                <a:cs typeface="DIN Alternate" charset="0"/>
-              </a:rPr>
-              <a:t>&gt; - Headlines, summaries, </a:t>
-            </a:r>
-            <a:r>
-              <a:rPr lang="en-US" sz="2800" dirty="0" err="1" smtClean="0">
-                <a:solidFill>
-                  <a:schemeClr val="bg1"/>
-                </a:solidFill>
-                <a:latin typeface="DIN Alternate" charset="0"/>
-                <a:ea typeface="DIN Alternate" charset="0"/>
-                <a:cs typeface="DIN Alternate" charset="0"/>
-              </a:rPr>
-              <a:t>etc</a:t>
-            </a:r>
-            <a:r>
-              <a:rPr lang="is-IS" sz="2800" dirty="0" smtClean="0">
-                <a:solidFill>
-                  <a:schemeClr val="bg1"/>
-                </a:solidFill>
-                <a:latin typeface="DIN Alternate" charset="0"/>
-                <a:ea typeface="DIN Alternate" charset="0"/>
-                <a:cs typeface="DIN Alternate" charset="0"/>
-              </a:rPr>
-              <a:t>…</a:t>
-            </a:r>
-            <a:endParaRPr lang="en-US" sz="2800" dirty="0" smtClean="0">
-              <a:solidFill>
-                <a:schemeClr val="bg1"/>
-              </a:solidFill>
-              <a:latin typeface="DIN Alternate" charset="0"/>
-              <a:ea typeface="DIN Alternate" charset="0"/>
-              <a:cs typeface="DIN Alternate" charset="0"/>
-            </a:endParaRPr>
+              <a:t>&lt;header&gt; </a:t>
+            </a:r>
           </a:p>
           <a:p>
             <a:pPr>
@@ -8974,29 +9018,7 @@
                 <a:ea typeface="DIN Alternate" charset="0"/>
                 <a:cs typeface="DIN Alternate" charset="0"/>
               </a:rPr>
-              <a:t>&lt;</a:t>
-            </a:r>
-            <a:r>
-              <a:rPr lang="en-US" sz="2800" dirty="0">
-                <a:solidFill>
-                  <a:schemeClr val="bg1"/>
-                </a:solidFill>
-                <a:latin typeface="DIN Alternate" charset="0"/>
-                <a:ea typeface="DIN Alternate" charset="0"/>
-                <a:cs typeface="DIN Alternate" charset="0"/>
-              </a:rPr>
-              <a:t>main</a:t>
-            </a:r>
-            <a:r>
-              <a:rPr lang="en-US" sz="2800" dirty="0" smtClean="0">
-                <a:solidFill>
-                  <a:schemeClr val="bg1"/>
-                </a:solidFill>
-                <a:latin typeface="DIN Alternate" charset="0"/>
-                <a:ea typeface="DIN Alternate" charset="0"/>
-                <a:cs typeface="DIN Alternate" charset="0"/>
-              </a:rPr>
-              <a:t>&gt; - The bulk of the content</a:t>
+              <a:t>&lt;main&gt;</a:t>
             </a:r>
           </a:p>
           <a:p>
@@ -9014,7 +9036,7 @@
                 <a:ea typeface="DIN Alternate" charset="0"/>
                 <a:cs typeface="DIN Alternate" charset="0"/>
               </a:rPr>
-              <a:t>&lt;footer&gt;</a:t>
+              <a:t>&lt;footer&gt; </a:t>
             </a:r>
           </a:p>
           <a:p>
@@ -9080,7 +9102,7 @@
     </p:spTree>
     <p:extLst>
       <p:ext uri="{BB962C8B-B14F-4D97-AF65-F5344CB8AC3E}">
-        <p14:creationId xmlns:p14="http://schemas.microsoft.com/office/powerpoint/2010/main" val="897695575"/>
+        <p14:creationId xmlns:p14="http://schemas.microsoft.com/office/powerpoint/2010/main" val="1771759011"/>
       </p:ext>
     </p:extLst>
   </p:cSld>
@@ -9431,29 +9453,7 @@
                 <a:ea typeface="DIN Alternate" charset="0"/>
                 <a:cs typeface="DIN Alternate" charset="0"/>
               </a:rPr>
-              <a:t>&lt;</a:t>
-            </a:r>
-            <a:r>
-              <a:rPr lang="en-US" sz="2800" dirty="0">
-                <a:solidFill>
-                  <a:schemeClr val="bg1"/>
-                </a:solidFill>
-                <a:latin typeface="DIN Alternate" charset="0"/>
-                <a:ea typeface="DIN Alternate" charset="0"/>
-                <a:cs typeface="DIN Alternate" charset="0"/>
-              </a:rPr>
-              <a:t>main</a:t>
-            </a:r>
-            <a:r>
-              <a:rPr lang="en-US" sz="2800" dirty="0" smtClean="0">
-                <a:solidFill>
-                  <a:schemeClr val="bg1"/>
-                </a:solidFill>
-                <a:latin typeface="DIN Alternate" charset="0"/>
-                <a:ea typeface="DIN Alternate" charset="0"/>
-                <a:cs typeface="DIN Alternate" charset="0"/>
-              </a:rPr>
-              <a:t>&gt; - The bulk of the content</a:t>
+              <a:t>&lt;main&gt; </a:t>
             </a:r>
           </a:p>
           <a:p>
@@ -9471,60 +9471,8 @@
                 <a:ea typeface="DIN Alternate" charset="0"/>
                 <a:cs typeface="DIN Alternate" charset="0"/>
               </a:rPr>
-              <a:t>&lt;</a:t>
-            </a:r>
-            <a:r>
-              <a:rPr lang="en-US" sz="2800" dirty="0">
-                <a:solidFill>
-                  <a:schemeClr val="bg1"/>
-                </a:solidFill>
-                <a:latin typeface="DIN Alternate" charset="0"/>
-                <a:ea typeface="DIN Alternate" charset="0"/>
-                <a:cs typeface="DIN Alternate" charset="0"/>
-              </a:rPr>
-              <a:t>footer</a:t>
-            </a:r>
-            <a:r>
-              <a:rPr lang="en-US" sz="2800" dirty="0" smtClean="0">
-                <a:solidFill>
-                  <a:schemeClr val="bg1"/>
-                </a:solidFill>
-                <a:latin typeface="DIN Alternate" charset="0"/>
-                <a:ea typeface="DIN Alternate" charset="0"/>
-                <a:cs typeface="DIN Alternate" charset="0"/>
-              </a:rPr>
-              <a:t>&gt; - Copyright, links, contact, </a:t>
-            </a:r>
-            <a:r>
-              <a:rPr lang="en-US" sz="2800" dirty="0" err="1" smtClean="0">
-                <a:solidFill>
-                  <a:schemeClr val="bg1"/>
-                </a:solidFill>
-                <a:latin typeface="DIN Alternate" charset="0"/>
-                <a:ea typeface="DIN Alternate" charset="0"/>
-                <a:cs typeface="DIN Alternate" charset="0"/>
-              </a:rPr>
-              <a:t>etc</a:t>
-            </a:r>
-            <a:r>
-              <a:rPr lang="is-IS" sz="2800" dirty="0" smtClean="0">
-                <a:solidFill>
-                  <a:schemeClr val="bg1"/>
-                </a:solidFill>
-                <a:latin typeface="DIN Alternate" charset="0"/>
-                <a:ea typeface="DIN Alternate" charset="0"/>
-                <a:cs typeface="DIN Alternate" charset="0"/>
-              </a:rPr>
-              <a:t>…</a:t>
-            </a:r>
-            <a:endParaRPr lang="en-US" sz="2800" dirty="0" smtClean="0">
-              <a:solidFill>
-                <a:schemeClr val="bg1"/>
-              </a:solidFill>
-              <a:latin typeface="DIN Alternate" charset="0"/>
-              <a:ea typeface="DIN Alternate" charset="0"/>
-              <a:cs typeface="DIN Alternate" charset="0"/>
-            </a:endParaRPr>
+              <a:t>&lt;footer&gt;</a:t>
+            </a:r>
           </a:p>
           <a:p>
             <a:pPr>
@@ -9589,7 +9537,7 @@
     </p:spTree>
     <p:extLst>
       <p:ext uri="{BB962C8B-B14F-4D97-AF65-F5344CB8AC3E}">
-        <p14:creationId xmlns:p14="http://schemas.microsoft.com/office/powerpoint/2010/main" val="388545537"/>
+        <p14:creationId xmlns:p14="http://schemas.microsoft.com/office/powerpoint/2010/main" val="770105717"/>
       </p:ext>
     </p:extLst>
   </p:cSld>
@@ -9980,51 +9928,7 @@
                 <a:ea typeface="DIN Alternate" charset="0"/>
                 <a:cs typeface="DIN Alternate" charset="0"/>
               </a:rPr>
-              <a:t>&lt;</a:t>
-            </a:r>
-            <a:r>
-              <a:rPr lang="en-US" sz="2800" dirty="0">
-                <a:solidFill>
-                  <a:schemeClr val="bg1"/>
-                </a:solidFill>
-                <a:latin typeface="DIN Alternate" charset="0"/>
-                <a:ea typeface="DIN Alternate" charset="0"/>
-                <a:cs typeface="DIN Alternate" charset="0"/>
-              </a:rPr>
-              <a:t>footer</a:t>
-            </a:r>
-            <a:r>
-              <a:rPr lang="en-US" sz="2800" dirty="0" smtClean="0">
-                <a:solidFill>
-                  <a:schemeClr val="bg1"/>
-                </a:solidFill>
-                <a:latin typeface="DIN Alternate" charset="0"/>
-                <a:ea typeface="DIN Alternate" charset="0"/>
-                <a:cs typeface="DIN Alternate" charset="0"/>
-              </a:rPr>
-              <a:t>&gt; - Copyright, links, contact, </a:t>
-            </a:r>
-            <a:r>
-              <a:rPr lang="en-US" sz="2800" dirty="0" err="1" smtClean="0">
-                <a:solidFill>
-                  <a:schemeClr val="bg1"/>
-                </a:solidFill>
-                <a:latin typeface="DIN Alternate" charset="0"/>
-                <a:ea typeface="DIN Alternate" charset="0"/>
-                <a:cs typeface="DIN Alternate" charset="0"/>
-              </a:rPr>
-              <a:t>etc</a:t>
-            </a:r>
-            <a:r>
-              <a:rPr lang="is-IS" sz="2800" dirty="0" smtClean="0">
-                <a:solidFill>
-                  <a:schemeClr val="bg1"/>
-                </a:solidFill>
-                <a:latin typeface="DIN Alternate" charset="0"/>
-                <a:ea typeface="DIN Alternate" charset="0"/>
-                <a:cs typeface="DIN Alternate" charset="0"/>
-              </a:rPr>
-              <a:t>…</a:t>
+              <a:t>&lt;footer&gt;</a:t>
             </a:r>
           </a:p>
           <a:p>
@@ -10034,17 +9938,17 @@
               </a:lnSpc>
             </a:pPr>
             <a:r>
-              <a:rPr lang="is-IS" sz="2800" dirty="0" smtClean="0">
-                <a:solidFill>
-                  <a:schemeClr val="bg1"/>
-                </a:solidFill>
-                <a:latin typeface="DIN Alternate" charset="0"/>
-                <a:ea typeface="DIN Alternate" charset="0"/>
-                <a:cs typeface="DIN Alternate" charset="0"/>
-              </a:rPr>
-              <a:t>&lt;aside&gt; - Extra content (in support of the &lt;main&gt;)</a:t>
-            </a:r>
-            <a:endParaRPr lang="en-US" sz="2800" dirty="0" smtClean="0">
+              <a:rPr lang="en-US" sz="2800" dirty="0" smtClean="0">
+                <a:solidFill>
+                  <a:schemeClr val="bg1"/>
+                </a:solidFill>
+                <a:latin typeface="DIN Alternate" charset="0"/>
+                <a:ea typeface="DIN Alternate" charset="0"/>
+                <a:cs typeface="DIN Alternate" charset="0"/>
+              </a:rPr>
+              <a:t>&lt;aside&gt;</a:t>
+            </a:r>
+            <a:endParaRPr lang="en-US" sz="2800" dirty="0">
               <a:solidFill>
                 <a:schemeClr val="bg1"/>
               </a:solidFill>
@@ -10090,7 +9994,7 @@
     </p:spTree>
     <p:extLst>
       <p:ext uri="{BB962C8B-B14F-4D97-AF65-F5344CB8AC3E}">
-        <p14:creationId xmlns:p14="http://schemas.microsoft.com/office/powerpoint/2010/main" val="1443811676"/>
+        <p14:creationId xmlns:p14="http://schemas.microsoft.com/office/powerpoint/2010/main" val="897695575"/>
       </p:ext>
     </p:extLst>
   </p:cSld>
@@ -10146,18 +10050,13 @@
           <a:p>
             <a:pPr algn="ctr"/>
             <a:r>
-              <a:rPr lang="en-US" sz="6000" dirty="0" smtClean="0">
-                <a:latin typeface="DIN Alternate" charset="0"/>
-                <a:ea typeface="DIN Alternate" charset="0"/>
-                <a:cs typeface="DIN Alternate" charset="0"/>
-              </a:rPr>
-              <a:t>Common HTML Tags</a:t>
-            </a:r>
-            <a:endParaRPr lang="en-US" sz="6000" dirty="0">
-              <a:latin typeface="DIN Alternate" charset="0"/>
-              <a:ea typeface="DIN Alternate" charset="0"/>
-              <a:cs typeface="DIN Alternate" charset="0"/>
-            </a:endParaRPr>
+              <a:rPr lang="en-US" sz="6000" dirty="0">
+                <a:latin typeface="DIN Alternate" charset="0"/>
+                <a:ea typeface="DIN Alternate" charset="0"/>
+                <a:cs typeface="DIN Alternate" charset="0"/>
+              </a:rPr>
+              <a:t>page structure</a:t>
+            </a:r>
           </a:p>
         </p:txBody>
       </p:sp>
@@ -10199,8 +10098,8 @@
         </p:nvSpPr>
         <p:spPr>
           <a:xfrm>
-            <a:off x="685800" y="1589291"/>
-            <a:ext cx="10658959" cy="4616648"/>
+            <a:off x="685800" y="1341318"/>
+            <a:ext cx="10658959" cy="5262979"/>
           </a:xfrm>
           <a:prstGeom prst="rect">
             <a:avLst/>
@@ -10256,7 +10155,29 @@
                 <a:ea typeface="DIN Alternate" charset="0"/>
                 <a:cs typeface="DIN Alternate" charset="0"/>
               </a:rPr>
-              <a:t>&lt;h1&gt; - First headline</a:t>
+              <a:t>&lt;</a:t>
+            </a:r>
+            <a:r>
+              <a:rPr lang="en-US" sz="2800" dirty="0">
+                <a:solidFill>
+                  <a:schemeClr val="bg1"/>
+                </a:solidFill>
+                <a:latin typeface="DIN Alternate" charset="0"/>
+                <a:ea typeface="DIN Alternate" charset="0"/>
+                <a:cs typeface="DIN Alternate" charset="0"/>
+              </a:rPr>
+              <a:t>html</a:t>
+            </a:r>
+            <a:r>
+              <a:rPr lang="en-US" sz="2800" dirty="0" smtClean="0">
+                <a:solidFill>
+                  <a:schemeClr val="bg1"/>
+                </a:solidFill>
+                <a:latin typeface="DIN Alternate" charset="0"/>
+                <a:ea typeface="DIN Alternate" charset="0"/>
+                <a:cs typeface="DIN Alternate" charset="0"/>
+              </a:rPr>
+              <a:t>&gt; - Tells the browser “Hey! This is HTML”</a:t>
             </a:r>
           </a:p>
           <a:p>
@@ -10274,7 +10195,29 @@
                 <a:ea typeface="DIN Alternate" charset="0"/>
                 <a:cs typeface="DIN Alternate" charset="0"/>
               </a:rPr>
-              <a:t>&lt;h2&gt; - Secondary headline</a:t>
+              <a:t>&lt;</a:t>
+            </a:r>
+            <a:r>
+              <a:rPr lang="en-US" sz="2800" dirty="0">
+                <a:solidFill>
+                  <a:schemeClr val="bg1"/>
+                </a:solidFill>
+                <a:latin typeface="DIN Alternate" charset="0"/>
+                <a:ea typeface="DIN Alternate" charset="0"/>
+                <a:cs typeface="DIN Alternate" charset="0"/>
+              </a:rPr>
+              <a:t>head</a:t>
+            </a:r>
+            <a:r>
+              <a:rPr lang="en-US" sz="2800" dirty="0" smtClean="0">
+                <a:solidFill>
+                  <a:schemeClr val="bg1"/>
+                </a:solidFill>
+                <a:latin typeface="DIN Alternate" charset="0"/>
+                <a:ea typeface="DIN Alternate" charset="0"/>
+                <a:cs typeface="DIN Alternate" charset="0"/>
+              </a:rPr>
+              <a:t>&gt; - Contains (invisible) information about the whole page</a:t>
             </a:r>
           </a:p>
           <a:p>
@@ -10284,6 +10227,17 @@
               </a:lnSpc>
             </a:pPr>
             <a:r>
+              <a:rPr lang="en-US" sz="2800" dirty="0" smtClean="0">
+                <a:solidFill>
+                  <a:schemeClr val="bg1"/>
+                </a:solidFill>
+                <a:latin typeface="DIN Alternate" charset="0"/>
+                <a:ea typeface="DIN Alternate" charset="0"/>
+                <a:cs typeface="DIN Alternate" charset="0"/>
+              </a:rPr>
+              <a:t>&lt;</a:t>
+            </a:r>
+            <a:r>
               <a:rPr lang="en-US" sz="2800" dirty="0">
                 <a:solidFill>
                   <a:schemeClr val="bg1"/>
@@ -10292,7 +10246,7 @@
                 <a:ea typeface="DIN Alternate" charset="0"/>
                 <a:cs typeface="DIN Alternate" charset="0"/>
               </a:rPr>
-              <a:t>&lt;div&gt; - Generic </a:t>
+              <a:t>body</a:t>
             </a:r>
             <a:r>
               <a:rPr lang="en-US" sz="2800" dirty="0" smtClean="0">
@@ -10303,7 +10257,7 @@
                 <a:ea typeface="DIN Alternate" charset="0"/>
                 <a:cs typeface="DIN Alternate" charset="0"/>
               </a:rPr>
-              <a:t>container</a:t>
+              <a:t>&gt; - Contains the content of the page</a:t>
             </a:r>
           </a:p>
           <a:p>
@@ -10321,8 +10275,60 @@
                 <a:ea typeface="DIN Alternate" charset="0"/>
                 <a:cs typeface="DIN Alternate" charset="0"/>
               </a:rPr>
-              <a:t>&lt;p&gt; - Paragraph</a:t>
-            </a:r>
+              <a:t>&lt;</a:t>
+            </a:r>
+            <a:r>
+              <a:rPr lang="en-US" sz="2800" dirty="0">
+                <a:solidFill>
+                  <a:schemeClr val="bg1"/>
+                </a:solidFill>
+                <a:latin typeface="DIN Alternate" charset="0"/>
+                <a:ea typeface="DIN Alternate" charset="0"/>
+                <a:cs typeface="DIN Alternate" charset="0"/>
+              </a:rPr>
+              <a:t>header</a:t>
+            </a:r>
+            <a:r>
+              <a:rPr lang="en-US" sz="2800" dirty="0" smtClean="0">
+                <a:solidFill>
+                  <a:schemeClr val="bg1"/>
+                </a:solidFill>
+                <a:latin typeface="DIN Alternate" charset="0"/>
+                <a:ea typeface="DIN Alternate" charset="0"/>
+                <a:cs typeface="DIN Alternate" charset="0"/>
+              </a:rPr>
+              <a:t>&gt; - Headlines, summaries, </a:t>
+            </a:r>
+            <a:r>
+              <a:rPr lang="en-US" sz="2800" dirty="0" err="1" smtClean="0">
+                <a:solidFill>
+                  <a:schemeClr val="bg1"/>
+                </a:solidFill>
+                <a:latin typeface="DIN Alternate" charset="0"/>
+                <a:ea typeface="DIN Alternate" charset="0"/>
+                <a:cs typeface="DIN Alternate" charset="0"/>
+              </a:rPr>
+              <a:t>etc</a:t>
+            </a:r>
+            <a:r>
+              <a:rPr lang="is-IS" sz="2800" dirty="0" smtClean="0">
+                <a:solidFill>
+                  <a:schemeClr val="bg1"/>
+                </a:solidFill>
+                <a:latin typeface="DIN Alternate" charset="0"/>
+                <a:ea typeface="DIN Alternate" charset="0"/>
+                <a:cs typeface="DIN Alternate" charset="0"/>
+              </a:rPr>
+              <a:t>…</a:t>
+            </a:r>
+            <a:endParaRPr lang="en-US" sz="2800" dirty="0" smtClean="0">
+              <a:solidFill>
+                <a:schemeClr val="bg1"/>
+              </a:solidFill>
+              <a:latin typeface="DIN Alternate" charset="0"/>
+              <a:ea typeface="DIN Alternate" charset="0"/>
+              <a:cs typeface="DIN Alternate" charset="0"/>
+            </a:endParaRPr>
           </a:p>
           <a:p>
             <a:pPr>
@@ -10342,15 +10348,15 @@
               <a:t>&lt;</a:t>
             </a:r>
             <a:r>
-              <a:rPr lang="en-US" sz="2800" dirty="0" err="1" smtClean="0">
-                <a:solidFill>
-                  <a:schemeClr val="bg1"/>
-                </a:solidFill>
-                <a:latin typeface="DIN Alternate" charset="0"/>
-                <a:ea typeface="DIN Alternate" charset="0"/>
-                <a:cs typeface="DIN Alternate" charset="0"/>
-              </a:rPr>
-              <a:t>img</a:t>
+              <a:rPr lang="en-US" sz="2800" dirty="0">
+                <a:solidFill>
+                  <a:schemeClr val="bg1"/>
+                </a:solidFill>
+                <a:latin typeface="DIN Alternate" charset="0"/>
+                <a:ea typeface="DIN Alternate" charset="0"/>
+                <a:cs typeface="DIN Alternate" charset="0"/>
+              </a:rPr>
+              <a:t>main</a:t>
             </a:r>
             <a:r>
               <a:rPr lang="en-US" sz="2800" dirty="0" smtClean="0">
@@ -10361,7 +10367,7 @@
                 <a:ea typeface="DIN Alternate" charset="0"/>
                 <a:cs typeface="DIN Alternate" charset="0"/>
               </a:rPr>
-              <a:t>&gt; - Image</a:t>
+              <a:t>&gt; - The bulk of the content</a:t>
             </a:r>
           </a:p>
           <a:p>
@@ -10379,7 +10385,77 @@
                 <a:ea typeface="DIN Alternate" charset="0"/>
                 <a:cs typeface="DIN Alternate" charset="0"/>
               </a:rPr>
-              <a:t>&lt;a&gt; - Link</a:t>
+              <a:t>&lt;</a:t>
+            </a:r>
+            <a:r>
+              <a:rPr lang="en-US" sz="2800" dirty="0">
+                <a:solidFill>
+                  <a:schemeClr val="bg1"/>
+                </a:solidFill>
+                <a:latin typeface="DIN Alternate" charset="0"/>
+                <a:ea typeface="DIN Alternate" charset="0"/>
+                <a:cs typeface="DIN Alternate" charset="0"/>
+              </a:rPr>
+              <a:t>footer</a:t>
+            </a:r>
+            <a:r>
+              <a:rPr lang="en-US" sz="2800" dirty="0" smtClean="0">
+                <a:solidFill>
+                  <a:schemeClr val="bg1"/>
+                </a:solidFill>
+                <a:latin typeface="DIN Alternate" charset="0"/>
+                <a:ea typeface="DIN Alternate" charset="0"/>
+                <a:cs typeface="DIN Alternate" charset="0"/>
+              </a:rPr>
+              <a:t>&gt; - Copyright, links, contact, </a:t>
+            </a:r>
+            <a:r>
+              <a:rPr lang="en-US" sz="2800" dirty="0" err="1" smtClean="0">
+                <a:solidFill>
+                  <a:schemeClr val="bg1"/>
+                </a:solidFill>
+                <a:latin typeface="DIN Alternate" charset="0"/>
+                <a:ea typeface="DIN Alternate" charset="0"/>
+                <a:cs typeface="DIN Alternate" charset="0"/>
+              </a:rPr>
+              <a:t>etc</a:t>
+            </a:r>
+            <a:r>
+              <a:rPr lang="is-IS" sz="2800" dirty="0" smtClean="0">
+                <a:solidFill>
+                  <a:schemeClr val="bg1"/>
+                </a:solidFill>
+                <a:latin typeface="DIN Alternate" charset="0"/>
+                <a:ea typeface="DIN Alternate" charset="0"/>
+                <a:cs typeface="DIN Alternate" charset="0"/>
+              </a:rPr>
+              <a:t>…</a:t>
+            </a:r>
+            <a:endParaRPr lang="en-US" sz="2800" dirty="0" smtClean="0">
+              <a:solidFill>
+                <a:schemeClr val="bg1"/>
+              </a:solidFill>
+              <a:latin typeface="DIN Alternate" charset="0"/>
+              <a:ea typeface="DIN Alternate" charset="0"/>
+              <a:cs typeface="DIN Alternate" charset="0"/>
+            </a:endParaRPr>
+          </a:p>
+          <a:p>
+            <a:pPr>
+              <a:lnSpc>
+                <a:spcPct val="150000"/>
+              </a:lnSpc>
+            </a:pPr>
+            <a:r>
+              <a:rPr lang="en-US" sz="2800" dirty="0" smtClean="0">
+                <a:solidFill>
+                  <a:schemeClr val="bg1"/>
+                </a:solidFill>
+                <a:latin typeface="DIN Alternate" charset="0"/>
+                <a:ea typeface="DIN Alternate" charset="0"/>
+                <a:cs typeface="DIN Alternate" charset="0"/>
+              </a:rPr>
+              <a:t>&lt;aside&gt;</a:t>
             </a:r>
             <a:endParaRPr lang="en-US" sz="2800" dirty="0">
               <a:solidFill>
@@ -10427,7 +10503,7 @@
     </p:spTree>
     <p:extLst>
       <p:ext uri="{BB962C8B-B14F-4D97-AF65-F5344CB8AC3E}">
-        <p14:creationId xmlns:p14="http://schemas.microsoft.com/office/powerpoint/2010/main" val="1806955071"/>
+        <p14:creationId xmlns:p14="http://schemas.microsoft.com/office/powerpoint/2010/main" val="388545537"/>
       </p:ext>
     </p:extLst>
   </p:cSld>
@@ -10483,18 +10559,13 @@
           <a:p>
             <a:pPr algn="ctr"/>
             <a:r>
-              <a:rPr lang="en-US" sz="6000" dirty="0" smtClean="0">
-                <a:latin typeface="DIN Alternate" charset="0"/>
-                <a:ea typeface="DIN Alternate" charset="0"/>
-                <a:cs typeface="DIN Alternate" charset="0"/>
-              </a:rPr>
-              <a:t>Let’s build!</a:t>
-            </a:r>
-            <a:endParaRPr lang="en-US" sz="6000" dirty="0">
-              <a:latin typeface="DIN Alternate" charset="0"/>
-              <a:ea typeface="DIN Alternate" charset="0"/>
-              <a:cs typeface="DIN Alternate" charset="0"/>
-            </a:endParaRPr>
+              <a:rPr lang="en-US" sz="6000" dirty="0">
+                <a:latin typeface="DIN Alternate" charset="0"/>
+                <a:ea typeface="DIN Alternate" charset="0"/>
+                <a:cs typeface="DIN Alternate" charset="0"/>
+              </a:rPr>
+              <a:t>page structure</a:t>
+            </a:r>
           </a:p>
         </p:txBody>
       </p:sp>
@@ -10536,6 +10607,849 @@
         </p:nvSpPr>
         <p:spPr>
           <a:xfrm>
+            <a:off x="685800" y="1341318"/>
+            <a:ext cx="10658959" cy="5262979"/>
+          </a:xfrm>
+          <a:prstGeom prst="rect">
+            <a:avLst/>
+          </a:prstGeom>
+          <a:noFill/>
+        </p:spPr>
+        <p:txBody>
+          <a:bodyPr wrap="square" rtlCol="0">
+            <a:spAutoFit/>
+          </a:bodyPr>
+          <a:lstStyle/>
+          <a:p>
+            <a:pPr>
+              <a:lnSpc>
+                <a:spcPct val="150000"/>
+              </a:lnSpc>
+            </a:pPr>
+            <a:r>
+              <a:rPr lang="en-US" sz="2800" dirty="0">
+                <a:solidFill>
+                  <a:schemeClr val="bg1"/>
+                </a:solidFill>
+                <a:latin typeface="DIN Alternate" charset="0"/>
+                <a:ea typeface="DIN Alternate" charset="0"/>
+                <a:cs typeface="DIN Alternate" charset="0"/>
+              </a:rPr>
+              <a:t>Basic Page </a:t>
+            </a:r>
+            <a:r>
+              <a:rPr lang="en-US" sz="2800" dirty="0" smtClean="0">
+                <a:solidFill>
+                  <a:schemeClr val="bg1"/>
+                </a:solidFill>
+                <a:latin typeface="DIN Alternate" charset="0"/>
+                <a:ea typeface="DIN Alternate" charset="0"/>
+                <a:cs typeface="DIN Alternate" charset="0"/>
+              </a:rPr>
+              <a:t>Structure:</a:t>
+            </a:r>
+          </a:p>
+          <a:p>
+            <a:pPr>
+              <a:lnSpc>
+                <a:spcPct val="150000"/>
+              </a:lnSpc>
+            </a:pPr>
+            <a:r>
+              <a:rPr lang="en-US" sz="2800" dirty="0" smtClean="0">
+                <a:solidFill>
+                  <a:schemeClr val="bg1"/>
+                </a:solidFill>
+                <a:latin typeface="DIN Alternate" charset="0"/>
+                <a:ea typeface="DIN Alternate" charset="0"/>
+                <a:cs typeface="DIN Alternate" charset="0"/>
+              </a:rPr>
+              <a:t>&lt;</a:t>
+            </a:r>
+            <a:r>
+              <a:rPr lang="en-US" sz="2800" dirty="0">
+                <a:solidFill>
+                  <a:schemeClr val="bg1"/>
+                </a:solidFill>
+                <a:latin typeface="DIN Alternate" charset="0"/>
+                <a:ea typeface="DIN Alternate" charset="0"/>
+                <a:cs typeface="DIN Alternate" charset="0"/>
+              </a:rPr>
+              <a:t>html</a:t>
+            </a:r>
+            <a:r>
+              <a:rPr lang="en-US" sz="2800" dirty="0" smtClean="0">
+                <a:solidFill>
+                  <a:schemeClr val="bg1"/>
+                </a:solidFill>
+                <a:latin typeface="DIN Alternate" charset="0"/>
+                <a:ea typeface="DIN Alternate" charset="0"/>
+                <a:cs typeface="DIN Alternate" charset="0"/>
+              </a:rPr>
+              <a:t>&gt; - Tells the browser “Hey! This is HTML”</a:t>
+            </a:r>
+          </a:p>
+          <a:p>
+            <a:pPr>
+              <a:lnSpc>
+                <a:spcPct val="150000"/>
+              </a:lnSpc>
+            </a:pPr>
+            <a:r>
+              <a:rPr lang="en-US" sz="2800" dirty="0" smtClean="0">
+                <a:solidFill>
+                  <a:schemeClr val="bg1"/>
+                </a:solidFill>
+                <a:latin typeface="DIN Alternate" charset="0"/>
+                <a:ea typeface="DIN Alternate" charset="0"/>
+                <a:cs typeface="DIN Alternate" charset="0"/>
+              </a:rPr>
+              <a:t>&lt;</a:t>
+            </a:r>
+            <a:r>
+              <a:rPr lang="en-US" sz="2800" dirty="0">
+                <a:solidFill>
+                  <a:schemeClr val="bg1"/>
+                </a:solidFill>
+                <a:latin typeface="DIN Alternate" charset="0"/>
+                <a:ea typeface="DIN Alternate" charset="0"/>
+                <a:cs typeface="DIN Alternate" charset="0"/>
+              </a:rPr>
+              <a:t>head</a:t>
+            </a:r>
+            <a:r>
+              <a:rPr lang="en-US" sz="2800" dirty="0" smtClean="0">
+                <a:solidFill>
+                  <a:schemeClr val="bg1"/>
+                </a:solidFill>
+                <a:latin typeface="DIN Alternate" charset="0"/>
+                <a:ea typeface="DIN Alternate" charset="0"/>
+                <a:cs typeface="DIN Alternate" charset="0"/>
+              </a:rPr>
+              <a:t>&gt; - Contains (invisible) information about the whole page</a:t>
+            </a:r>
+          </a:p>
+          <a:p>
+            <a:pPr>
+              <a:lnSpc>
+                <a:spcPct val="150000"/>
+              </a:lnSpc>
+            </a:pPr>
+            <a:r>
+              <a:rPr lang="en-US" sz="2800" dirty="0" smtClean="0">
+                <a:solidFill>
+                  <a:schemeClr val="bg1"/>
+                </a:solidFill>
+                <a:latin typeface="DIN Alternate" charset="0"/>
+                <a:ea typeface="DIN Alternate" charset="0"/>
+                <a:cs typeface="DIN Alternate" charset="0"/>
+              </a:rPr>
+              <a:t>&lt;</a:t>
+            </a:r>
+            <a:r>
+              <a:rPr lang="en-US" sz="2800" dirty="0">
+                <a:solidFill>
+                  <a:schemeClr val="bg1"/>
+                </a:solidFill>
+                <a:latin typeface="DIN Alternate" charset="0"/>
+                <a:ea typeface="DIN Alternate" charset="0"/>
+                <a:cs typeface="DIN Alternate" charset="0"/>
+              </a:rPr>
+              <a:t>body</a:t>
+            </a:r>
+            <a:r>
+              <a:rPr lang="en-US" sz="2800" dirty="0" smtClean="0">
+                <a:solidFill>
+                  <a:schemeClr val="bg1"/>
+                </a:solidFill>
+                <a:latin typeface="DIN Alternate" charset="0"/>
+                <a:ea typeface="DIN Alternate" charset="0"/>
+                <a:cs typeface="DIN Alternate" charset="0"/>
+              </a:rPr>
+              <a:t>&gt; - Contains the content of the page</a:t>
+            </a:r>
+          </a:p>
+          <a:p>
+            <a:pPr>
+              <a:lnSpc>
+                <a:spcPct val="150000"/>
+              </a:lnSpc>
+            </a:pPr>
+            <a:r>
+              <a:rPr lang="en-US" sz="2800" dirty="0" smtClean="0">
+                <a:solidFill>
+                  <a:schemeClr val="bg1"/>
+                </a:solidFill>
+                <a:latin typeface="DIN Alternate" charset="0"/>
+                <a:ea typeface="DIN Alternate" charset="0"/>
+                <a:cs typeface="DIN Alternate" charset="0"/>
+              </a:rPr>
+              <a:t>&lt;</a:t>
+            </a:r>
+            <a:r>
+              <a:rPr lang="en-US" sz="2800" dirty="0">
+                <a:solidFill>
+                  <a:schemeClr val="bg1"/>
+                </a:solidFill>
+                <a:latin typeface="DIN Alternate" charset="0"/>
+                <a:ea typeface="DIN Alternate" charset="0"/>
+                <a:cs typeface="DIN Alternate" charset="0"/>
+              </a:rPr>
+              <a:t>header</a:t>
+            </a:r>
+            <a:r>
+              <a:rPr lang="en-US" sz="2800" dirty="0" smtClean="0">
+                <a:solidFill>
+                  <a:schemeClr val="bg1"/>
+                </a:solidFill>
+                <a:latin typeface="DIN Alternate" charset="0"/>
+                <a:ea typeface="DIN Alternate" charset="0"/>
+                <a:cs typeface="DIN Alternate" charset="0"/>
+              </a:rPr>
+              <a:t>&gt; - Headlines, summaries, </a:t>
+            </a:r>
+            <a:r>
+              <a:rPr lang="en-US" sz="2800" dirty="0" err="1" smtClean="0">
+                <a:solidFill>
+                  <a:schemeClr val="bg1"/>
+                </a:solidFill>
+                <a:latin typeface="DIN Alternate" charset="0"/>
+                <a:ea typeface="DIN Alternate" charset="0"/>
+                <a:cs typeface="DIN Alternate" charset="0"/>
+              </a:rPr>
+              <a:t>etc</a:t>
+            </a:r>
+            <a:r>
+              <a:rPr lang="is-IS" sz="2800" dirty="0" smtClean="0">
+                <a:solidFill>
+                  <a:schemeClr val="bg1"/>
+                </a:solidFill>
+                <a:latin typeface="DIN Alternate" charset="0"/>
+                <a:ea typeface="DIN Alternate" charset="0"/>
+                <a:cs typeface="DIN Alternate" charset="0"/>
+              </a:rPr>
+              <a:t>…</a:t>
+            </a:r>
+            <a:endParaRPr lang="en-US" sz="2800" dirty="0" smtClean="0">
+              <a:solidFill>
+                <a:schemeClr val="bg1"/>
+              </a:solidFill>
+              <a:latin typeface="DIN Alternate" charset="0"/>
+              <a:ea typeface="DIN Alternate" charset="0"/>
+              <a:cs typeface="DIN Alternate" charset="0"/>
+            </a:endParaRPr>
+          </a:p>
+          <a:p>
+            <a:pPr>
+              <a:lnSpc>
+                <a:spcPct val="150000"/>
+              </a:lnSpc>
+            </a:pPr>
+            <a:r>
+              <a:rPr lang="en-US" sz="2800" dirty="0" smtClean="0">
+                <a:solidFill>
+                  <a:schemeClr val="bg1"/>
+                </a:solidFill>
+                <a:latin typeface="DIN Alternate" charset="0"/>
+                <a:ea typeface="DIN Alternate" charset="0"/>
+                <a:cs typeface="DIN Alternate" charset="0"/>
+              </a:rPr>
+              <a:t>&lt;</a:t>
+            </a:r>
+            <a:r>
+              <a:rPr lang="en-US" sz="2800" dirty="0">
+                <a:solidFill>
+                  <a:schemeClr val="bg1"/>
+                </a:solidFill>
+                <a:latin typeface="DIN Alternate" charset="0"/>
+                <a:ea typeface="DIN Alternate" charset="0"/>
+                <a:cs typeface="DIN Alternate" charset="0"/>
+              </a:rPr>
+              <a:t>main</a:t>
+            </a:r>
+            <a:r>
+              <a:rPr lang="en-US" sz="2800" dirty="0" smtClean="0">
+                <a:solidFill>
+                  <a:schemeClr val="bg1"/>
+                </a:solidFill>
+                <a:latin typeface="DIN Alternate" charset="0"/>
+                <a:ea typeface="DIN Alternate" charset="0"/>
+                <a:cs typeface="DIN Alternate" charset="0"/>
+              </a:rPr>
+              <a:t>&gt; - The bulk of the content</a:t>
+            </a:r>
+          </a:p>
+          <a:p>
+            <a:pPr>
+              <a:lnSpc>
+                <a:spcPct val="150000"/>
+              </a:lnSpc>
+            </a:pPr>
+            <a:r>
+              <a:rPr lang="en-US" sz="2800" dirty="0" smtClean="0">
+                <a:solidFill>
+                  <a:schemeClr val="bg1"/>
+                </a:solidFill>
+                <a:latin typeface="DIN Alternate" charset="0"/>
+                <a:ea typeface="DIN Alternate" charset="0"/>
+                <a:cs typeface="DIN Alternate" charset="0"/>
+              </a:rPr>
+              <a:t>&lt;</a:t>
+            </a:r>
+            <a:r>
+              <a:rPr lang="en-US" sz="2800" dirty="0">
+                <a:solidFill>
+                  <a:schemeClr val="bg1"/>
+                </a:solidFill>
+                <a:latin typeface="DIN Alternate" charset="0"/>
+                <a:ea typeface="DIN Alternate" charset="0"/>
+                <a:cs typeface="DIN Alternate" charset="0"/>
+              </a:rPr>
+              <a:t>footer</a:t>
+            </a:r>
+            <a:r>
+              <a:rPr lang="en-US" sz="2800" dirty="0" smtClean="0">
+                <a:solidFill>
+                  <a:schemeClr val="bg1"/>
+                </a:solidFill>
+                <a:latin typeface="DIN Alternate" charset="0"/>
+                <a:ea typeface="DIN Alternate" charset="0"/>
+                <a:cs typeface="DIN Alternate" charset="0"/>
+              </a:rPr>
+              <a:t>&gt; - Copyright, links, contact, </a:t>
+            </a:r>
+            <a:r>
+              <a:rPr lang="en-US" sz="2800" dirty="0" err="1" smtClean="0">
+                <a:solidFill>
+                  <a:schemeClr val="bg1"/>
+                </a:solidFill>
+                <a:latin typeface="DIN Alternate" charset="0"/>
+                <a:ea typeface="DIN Alternate" charset="0"/>
+                <a:cs typeface="DIN Alternate" charset="0"/>
+              </a:rPr>
+              <a:t>etc</a:t>
+            </a:r>
+            <a:r>
+              <a:rPr lang="is-IS" sz="2800" dirty="0" smtClean="0">
+                <a:solidFill>
+                  <a:schemeClr val="bg1"/>
+                </a:solidFill>
+                <a:latin typeface="DIN Alternate" charset="0"/>
+                <a:ea typeface="DIN Alternate" charset="0"/>
+                <a:cs typeface="DIN Alternate" charset="0"/>
+              </a:rPr>
+              <a:t>…</a:t>
+            </a:r>
+          </a:p>
+          <a:p>
+            <a:pPr>
+              <a:lnSpc>
+                <a:spcPct val="150000"/>
+              </a:lnSpc>
+            </a:pPr>
+            <a:r>
+              <a:rPr lang="is-IS" sz="2800" dirty="0" smtClean="0">
+                <a:solidFill>
+                  <a:schemeClr val="bg1"/>
+                </a:solidFill>
+                <a:latin typeface="DIN Alternate" charset="0"/>
+                <a:ea typeface="DIN Alternate" charset="0"/>
+                <a:cs typeface="DIN Alternate" charset="0"/>
+              </a:rPr>
+              <a:t>&lt;aside&gt; - Extra content (in support of the &lt;main&gt;)</a:t>
+            </a:r>
+            <a:endParaRPr lang="en-US" sz="2800" dirty="0" smtClean="0">
+              <a:solidFill>
+                <a:schemeClr val="bg1"/>
+              </a:solidFill>
+              <a:latin typeface="DIN Alternate" charset="0"/>
+              <a:ea typeface="DIN Alternate" charset="0"/>
+              <a:cs typeface="DIN Alternate" charset="0"/>
+            </a:endParaRPr>
+          </a:p>
+        </p:txBody>
+      </p:sp>
+      <p:sp>
+        <p:nvSpPr>
+          <p:cNvPr id="2" name="TextBox 1"/>
+          <p:cNvSpPr txBox="1"/>
+          <p:nvPr/>
+        </p:nvSpPr>
+        <p:spPr>
+          <a:xfrm>
+            <a:off x="10290875" y="817098"/>
+            <a:ext cx="1506310" cy="369332"/>
+          </a:xfrm>
+          <a:prstGeom prst="rect">
+            <a:avLst/>
+          </a:prstGeom>
+          <a:noFill/>
+        </p:spPr>
+        <p:txBody>
+          <a:bodyPr wrap="none" rtlCol="0">
+            <a:spAutoFit/>
+          </a:bodyPr>
+          <a:lstStyle/>
+          <a:p>
+            <a:r>
+              <a:rPr lang="en-US" dirty="0" smtClean="0">
+                <a:hlinkClick r:id="rId4"/>
+              </a:rPr>
+              <a:t>Weather From</a:t>
+            </a:r>
+            <a:endParaRPr lang="en-US" dirty="0" smtClean="0"/>
+          </a:p>
+        </p:txBody>
+      </p:sp>
+    </p:spTree>
+    <p:extLst>
+      <p:ext uri="{BB962C8B-B14F-4D97-AF65-F5344CB8AC3E}">
+        <p14:creationId xmlns:p14="http://schemas.microsoft.com/office/powerpoint/2010/main" val="1443811676"/>
+      </p:ext>
+    </p:extLst>
+  </p:cSld>
+  <p:clrMapOvr>
+    <a:masterClrMapping/>
+  </p:clrMapOvr>
+  <p:timing>
+    <p:tnLst>
+      <p:par>
+        <p:cTn id="1" dur="indefinite" restart="never" nodeType="tmRoot"/>
+      </p:par>
+    </p:tnLst>
+  </p:timing>
+</p:sld>
+</file>
+
+<file path=ppt/slides/slide16.xml><?xml version="1.0" encoding="utf-8"?>
+<p:sld xmlns:a="http://schemas.openxmlformats.org/drawingml/2006/main" xmlns:r="http://schemas.openxmlformats.org/officeDocument/2006/relationships" xmlns:p="http://schemas.openxmlformats.org/presentationml/2006/main">
+  <p:cSld>
+    <p:spTree>
+      <p:nvGrpSpPr>
+        <p:cNvPr id="1" name=""/>
+        <p:cNvGrpSpPr/>
+        <p:nvPr/>
+      </p:nvGrpSpPr>
+      <p:grpSpPr>
+        <a:xfrm>
+          <a:off x="0" y="0"/>
+          <a:ext cx="0" cy="0"/>
+          <a:chOff x="0" y="0"/>
+          <a:chExt cx="0" cy="0"/>
+        </a:xfrm>
+      </p:grpSpPr>
+      <p:sp>
+        <p:nvSpPr>
+          <p:cNvPr id="26" name="Title 25"/>
+          <p:cNvSpPr>
+            <a:spLocks noGrp="1"/>
+          </p:cNvSpPr>
+          <p:nvPr>
+            <p:ph type="ctrTitle"/>
+          </p:nvPr>
+        </p:nvSpPr>
+        <p:spPr>
+          <a:xfrm>
+            <a:off x="1" y="555729"/>
+            <a:ext cx="12192000" cy="892071"/>
+          </a:xfrm>
+        </p:spPr>
+        <p:txBody>
+          <a:bodyPr anchor="t"/>
+          <a:lstStyle/>
+          <a:p>
+            <a:pPr algn="ctr"/>
+            <a:r>
+              <a:rPr lang="en-US" sz="6000" dirty="0" smtClean="0">
+                <a:latin typeface="DIN Alternate" charset="0"/>
+                <a:ea typeface="DIN Alternate" charset="0"/>
+                <a:cs typeface="DIN Alternate" charset="0"/>
+              </a:rPr>
+              <a:t>Common HTML Tags</a:t>
+            </a:r>
+            <a:endParaRPr lang="en-US" sz="6000" dirty="0">
+              <a:latin typeface="DIN Alternate" charset="0"/>
+              <a:ea typeface="DIN Alternate" charset="0"/>
+              <a:cs typeface="DIN Alternate" charset="0"/>
+            </a:endParaRPr>
+          </a:p>
+        </p:txBody>
+      </p:sp>
+      <p:pic>
+        <p:nvPicPr>
+          <p:cNvPr id="7" name="Picture 6" descr="DEL_SEC_Digital_RGB.png"/>
+          <p:cNvPicPr>
+            <a:picLocks noChangeAspect="1"/>
+          </p:cNvPicPr>
+          <p:nvPr/>
+        </p:nvPicPr>
+        <p:blipFill>
+          <a:blip r:embed="rId3" cstate="print">
+            <a:extLst>
+              <a:ext uri="{28A0092B-C50C-407E-A947-70E740481C1C}">
+                <a14:useLocalDpi xmlns:a14="http://schemas.microsoft.com/office/drawing/2010/main" val="0"/>
+              </a:ext>
+            </a:extLst>
+          </a:blip>
+          <a:stretch>
+            <a:fillRect/>
+          </a:stretch>
+        </p:blipFill>
+        <p:spPr>
+          <a:xfrm>
+            <a:off x="10717213" y="6016918"/>
+            <a:ext cx="876713" cy="404465"/>
+          </a:xfrm>
+          <a:prstGeom prst="rect">
+            <a:avLst/>
+          </a:prstGeom>
+        </p:spPr>
+      </p:pic>
+      <p:sp>
+        <p:nvSpPr>
+          <p:cNvPr id="3" name="TextBox 2"/>
+          <p:cNvSpPr txBox="1"/>
+          <p:nvPr/>
+        </p:nvSpPr>
+        <p:spPr>
+          <a:xfrm>
+            <a:off x="685800" y="1589291"/>
+            <a:ext cx="10658959" cy="4616648"/>
+          </a:xfrm>
+          <a:prstGeom prst="rect">
+            <a:avLst/>
+          </a:prstGeom>
+          <a:noFill/>
+        </p:spPr>
+        <p:txBody>
+          <a:bodyPr wrap="square" rtlCol="0">
+            <a:spAutoFit/>
+          </a:bodyPr>
+          <a:lstStyle/>
+          <a:p>
+            <a:pPr>
+              <a:lnSpc>
+                <a:spcPct val="150000"/>
+              </a:lnSpc>
+            </a:pPr>
+            <a:r>
+              <a:rPr lang="en-US" sz="2800" dirty="0">
+                <a:solidFill>
+                  <a:schemeClr val="bg1"/>
+                </a:solidFill>
+                <a:latin typeface="DIN Alternate" charset="0"/>
+                <a:ea typeface="DIN Alternate" charset="0"/>
+                <a:cs typeface="DIN Alternate" charset="0"/>
+              </a:rPr>
+              <a:t>Basic Page </a:t>
+            </a:r>
+            <a:r>
+              <a:rPr lang="en-US" sz="2800" dirty="0" smtClean="0">
+                <a:solidFill>
+                  <a:schemeClr val="bg1"/>
+                </a:solidFill>
+                <a:latin typeface="DIN Alternate" charset="0"/>
+                <a:ea typeface="DIN Alternate" charset="0"/>
+                <a:cs typeface="DIN Alternate" charset="0"/>
+              </a:rPr>
+              <a:t>Structure:</a:t>
+            </a:r>
+          </a:p>
+          <a:p>
+            <a:pPr>
+              <a:lnSpc>
+                <a:spcPct val="150000"/>
+              </a:lnSpc>
+            </a:pPr>
+            <a:r>
+              <a:rPr lang="en-US" sz="2800" dirty="0" smtClean="0">
+                <a:solidFill>
+                  <a:schemeClr val="bg1"/>
+                </a:solidFill>
+                <a:latin typeface="DIN Alternate" charset="0"/>
+                <a:ea typeface="DIN Alternate" charset="0"/>
+                <a:cs typeface="DIN Alternate" charset="0"/>
+              </a:rPr>
+              <a:t>&lt;h1&gt; - First headline</a:t>
+            </a:r>
+          </a:p>
+          <a:p>
+            <a:pPr>
+              <a:lnSpc>
+                <a:spcPct val="150000"/>
+              </a:lnSpc>
+            </a:pPr>
+            <a:r>
+              <a:rPr lang="en-US" sz="2800" dirty="0" smtClean="0">
+                <a:solidFill>
+                  <a:schemeClr val="bg1"/>
+                </a:solidFill>
+                <a:latin typeface="DIN Alternate" charset="0"/>
+                <a:ea typeface="DIN Alternate" charset="0"/>
+                <a:cs typeface="DIN Alternate" charset="0"/>
+              </a:rPr>
+              <a:t>&lt;h2&gt; - Secondary headline</a:t>
+            </a:r>
+          </a:p>
+          <a:p>
+            <a:pPr>
+              <a:lnSpc>
+                <a:spcPct val="150000"/>
+              </a:lnSpc>
+            </a:pPr>
+            <a:r>
+              <a:rPr lang="en-US" sz="2800" dirty="0">
+                <a:solidFill>
+                  <a:schemeClr val="bg1"/>
+                </a:solidFill>
+                <a:latin typeface="DIN Alternate" charset="0"/>
+                <a:ea typeface="DIN Alternate" charset="0"/>
+                <a:cs typeface="DIN Alternate" charset="0"/>
+              </a:rPr>
+              <a:t>&lt;div&gt; - Generic </a:t>
+            </a:r>
+            <a:r>
+              <a:rPr lang="en-US" sz="2800" dirty="0" smtClean="0">
+                <a:solidFill>
+                  <a:schemeClr val="bg1"/>
+                </a:solidFill>
+                <a:latin typeface="DIN Alternate" charset="0"/>
+                <a:ea typeface="DIN Alternate" charset="0"/>
+                <a:cs typeface="DIN Alternate" charset="0"/>
+              </a:rPr>
+              <a:t>container</a:t>
+            </a:r>
+          </a:p>
+          <a:p>
+            <a:pPr>
+              <a:lnSpc>
+                <a:spcPct val="150000"/>
+              </a:lnSpc>
+            </a:pPr>
+            <a:r>
+              <a:rPr lang="en-US" sz="2800" dirty="0" smtClean="0">
+                <a:solidFill>
+                  <a:schemeClr val="bg1"/>
+                </a:solidFill>
+                <a:latin typeface="DIN Alternate" charset="0"/>
+                <a:ea typeface="DIN Alternate" charset="0"/>
+                <a:cs typeface="DIN Alternate" charset="0"/>
+              </a:rPr>
+              <a:t>&lt;p&gt; - Paragraph</a:t>
+            </a:r>
+          </a:p>
+          <a:p>
+            <a:pPr>
+              <a:lnSpc>
+                <a:spcPct val="150000"/>
+              </a:lnSpc>
+            </a:pPr>
+            <a:r>
+              <a:rPr lang="en-US" sz="2800" dirty="0" smtClean="0">
+                <a:solidFill>
+                  <a:schemeClr val="bg1"/>
+                </a:solidFill>
+                <a:latin typeface="DIN Alternate" charset="0"/>
+                <a:ea typeface="DIN Alternate" charset="0"/>
+                <a:cs typeface="DIN Alternate" charset="0"/>
+              </a:rPr>
+              <a:t>&lt;</a:t>
+            </a:r>
+            <a:r>
+              <a:rPr lang="en-US" sz="2800" dirty="0" err="1" smtClean="0">
+                <a:solidFill>
+                  <a:schemeClr val="bg1"/>
+                </a:solidFill>
+                <a:latin typeface="DIN Alternate" charset="0"/>
+                <a:ea typeface="DIN Alternate" charset="0"/>
+                <a:cs typeface="DIN Alternate" charset="0"/>
+              </a:rPr>
+              <a:t>img</a:t>
+            </a:r>
+            <a:r>
+              <a:rPr lang="en-US" sz="2800" dirty="0" smtClean="0">
+                <a:solidFill>
+                  <a:schemeClr val="bg1"/>
+                </a:solidFill>
+                <a:latin typeface="DIN Alternate" charset="0"/>
+                <a:ea typeface="DIN Alternate" charset="0"/>
+                <a:cs typeface="DIN Alternate" charset="0"/>
+              </a:rPr>
+              <a:t>&gt; - Image</a:t>
+            </a:r>
+          </a:p>
+          <a:p>
+            <a:pPr>
+              <a:lnSpc>
+                <a:spcPct val="150000"/>
+              </a:lnSpc>
+            </a:pPr>
+            <a:r>
+              <a:rPr lang="en-US" sz="2800" dirty="0" smtClean="0">
+                <a:solidFill>
+                  <a:schemeClr val="bg1"/>
+                </a:solidFill>
+                <a:latin typeface="DIN Alternate" charset="0"/>
+                <a:ea typeface="DIN Alternate" charset="0"/>
+                <a:cs typeface="DIN Alternate" charset="0"/>
+              </a:rPr>
+              <a:t>&lt;a&gt; - Link</a:t>
+            </a:r>
+            <a:endParaRPr lang="en-US" sz="2800" dirty="0">
+              <a:solidFill>
+                <a:schemeClr val="bg1"/>
+              </a:solidFill>
+              <a:latin typeface="DIN Alternate" charset="0"/>
+              <a:ea typeface="DIN Alternate" charset="0"/>
+              <a:cs typeface="DIN Alternate" charset="0"/>
+            </a:endParaRPr>
+          </a:p>
+        </p:txBody>
+      </p:sp>
+      <p:sp>
+        <p:nvSpPr>
+          <p:cNvPr id="2" name="TextBox 1"/>
+          <p:cNvSpPr txBox="1"/>
+          <p:nvPr/>
+        </p:nvSpPr>
+        <p:spPr>
+          <a:xfrm>
+            <a:off x="10290875" y="817098"/>
+            <a:ext cx="1506310" cy="369332"/>
+          </a:xfrm>
+          <a:prstGeom prst="rect">
+            <a:avLst/>
+          </a:prstGeom>
+          <a:noFill/>
+        </p:spPr>
+        <p:txBody>
+          <a:bodyPr wrap="none" rtlCol="0">
+            <a:spAutoFit/>
+          </a:bodyPr>
+          <a:lstStyle/>
+          <a:p>
+            <a:r>
+              <a:rPr lang="en-US" dirty="0" smtClean="0">
+                <a:hlinkClick r:id="rId4"/>
+              </a:rPr>
+              <a:t>Weather From</a:t>
+            </a:r>
+            <a:endParaRPr lang="en-US" dirty="0" smtClean="0"/>
+          </a:p>
+        </p:txBody>
+      </p:sp>
+    </p:spTree>
+    <p:extLst>
+      <p:ext uri="{BB962C8B-B14F-4D97-AF65-F5344CB8AC3E}">
+        <p14:creationId xmlns:p14="http://schemas.microsoft.com/office/powerpoint/2010/main" val="1806955071"/>
+      </p:ext>
+    </p:extLst>
+  </p:cSld>
+  <p:clrMapOvr>
+    <a:masterClrMapping/>
+  </p:clrMapOvr>
+  <p:timing>
+    <p:tnLst>
+      <p:par>
+        <p:cTn id="1" dur="indefinite" restart="never" nodeType="tmRoot"/>
+      </p:par>
+    </p:tnLst>
+  </p:timing>
+</p:sld>
+</file>
+
+<file path=ppt/slides/slide17.xml><?xml version="1.0" encoding="utf-8"?>
+<p:sld xmlns:a="http://schemas.openxmlformats.org/drawingml/2006/main" xmlns:r="http://schemas.openxmlformats.org/officeDocument/2006/relationships" xmlns:p="http://schemas.openxmlformats.org/presentationml/2006/main">
+  <p:cSld>
+    <p:spTree>
+      <p:nvGrpSpPr>
+        <p:cNvPr id="1" name=""/>
+        <p:cNvGrpSpPr/>
+        <p:nvPr/>
+      </p:nvGrpSpPr>
+      <p:grpSpPr>
+        <a:xfrm>
+          <a:off x="0" y="0"/>
+          <a:ext cx="0" cy="0"/>
+          <a:chOff x="0" y="0"/>
+          <a:chExt cx="0" cy="0"/>
+        </a:xfrm>
+      </p:grpSpPr>
+      <p:sp>
+        <p:nvSpPr>
+          <p:cNvPr id="26" name="Title 25"/>
+          <p:cNvSpPr>
+            <a:spLocks noGrp="1"/>
+          </p:cNvSpPr>
+          <p:nvPr>
+            <p:ph type="ctrTitle"/>
+          </p:nvPr>
+        </p:nvSpPr>
+        <p:spPr>
+          <a:xfrm>
+            <a:off x="1" y="555729"/>
+            <a:ext cx="12192000" cy="892071"/>
+          </a:xfrm>
+        </p:spPr>
+        <p:txBody>
+          <a:bodyPr anchor="t"/>
+          <a:lstStyle/>
+          <a:p>
+            <a:pPr algn="ctr"/>
+            <a:r>
+              <a:rPr lang="en-US" sz="6000" dirty="0" smtClean="0">
+                <a:latin typeface="DIN Alternate" charset="0"/>
+                <a:ea typeface="DIN Alternate" charset="0"/>
+                <a:cs typeface="DIN Alternate" charset="0"/>
+              </a:rPr>
+              <a:t>Let’s build!</a:t>
+            </a:r>
+            <a:endParaRPr lang="en-US" sz="6000" dirty="0">
+              <a:latin typeface="DIN Alternate" charset="0"/>
+              <a:ea typeface="DIN Alternate" charset="0"/>
+              <a:cs typeface="DIN Alternate" charset="0"/>
+            </a:endParaRPr>
+          </a:p>
+        </p:txBody>
+      </p:sp>
+      <p:pic>
+        <p:nvPicPr>
+          <p:cNvPr id="7" name="Picture 6" descr="DEL_SEC_Digital_RGB.png"/>
+          <p:cNvPicPr>
+            <a:picLocks noChangeAspect="1"/>
+          </p:cNvPicPr>
+          <p:nvPr/>
+        </p:nvPicPr>
+        <p:blipFill>
+          <a:blip r:embed="rId3" cstate="print">
+            <a:extLst>
+              <a:ext uri="{28A0092B-C50C-407E-A947-70E740481C1C}">
+                <a14:useLocalDpi xmlns:a14="http://schemas.microsoft.com/office/drawing/2010/main" val="0"/>
+              </a:ext>
+            </a:extLst>
+          </a:blip>
+          <a:stretch>
+            <a:fillRect/>
+          </a:stretch>
+        </p:blipFill>
+        <p:spPr>
+          <a:xfrm>
+            <a:off x="10717213" y="6016918"/>
+            <a:ext cx="876713" cy="404465"/>
+          </a:xfrm>
+          <a:prstGeom prst="rect">
+            <a:avLst/>
+          </a:prstGeom>
+        </p:spPr>
+      </p:pic>
+      <p:sp>
+        <p:nvSpPr>
+          <p:cNvPr id="3" name="TextBox 2"/>
+          <p:cNvSpPr txBox="1"/>
+          <p:nvPr/>
+        </p:nvSpPr>
+        <p:spPr>
+          <a:xfrm>
             <a:off x="685800" y="1620287"/>
             <a:ext cx="10658959" cy="2246769"/>
           </a:xfrm>
@@ -10652,7 +11566,7 @@
 </p:sld>
 </file>
 
-<file path=ppt/slides/slide16.xml><?xml version="1.0" encoding="utf-8"?>
+<file path=ppt/slides/slide18.xml><?xml version="1.0" encoding="utf-8"?>
 <p:sld xmlns:a="http://schemas.openxmlformats.org/drawingml/2006/main" xmlns:r="http://schemas.openxmlformats.org/officeDocument/2006/relationships" xmlns:p="http://schemas.openxmlformats.org/presentationml/2006/main">
   <p:cSld>
     <p:spTree>
@@ -11012,7 +11926,7 @@
             <a:r>
               <a:rPr lang="en-US" sz="2800" dirty="0" smtClean="0">
                 <a:solidFill>
-                  <a:schemeClr val="bg1"/>
+                  <a:srgbClr val="92D050"/>
                 </a:solidFill>
                 <a:latin typeface="DIN Alternate" charset="0"/>
                 <a:ea typeface="DIN Alternate" charset="0"/>
@@ -11309,18 +12223,7 @@
                 <a:ea typeface="DIN Alternate" charset="0"/>
                 <a:cs typeface="DIN Alternate" charset="0"/>
               </a:rPr>
-              <a:t> each </a:t>
-            </a:r>
-            <a:r>
-              <a:rPr lang="en-US" sz="2800" dirty="0" smtClean="0">
-                <a:solidFill>
-                  <a:schemeClr val="bg1"/>
-                </a:solidFill>
-                <a:latin typeface="DIN Alternate" charset="0"/>
-                <a:ea typeface="DIN Alternate" charset="0"/>
-                <a:cs typeface="DIN Alternate" charset="0"/>
-              </a:rPr>
-              <a:t>week:</a:t>
+              <a:t> each week:</a:t>
             </a:r>
           </a:p>
           <a:p>
@@ -11368,18 +12271,7 @@
                 <a:ea typeface="DIN Alternate" charset="0"/>
                 <a:cs typeface="DIN Alternate" charset="0"/>
               </a:rPr>
-              <a:t>Code </a:t>
-            </a:r>
-            <a:r>
-              <a:rPr lang="en-US" sz="2800" dirty="0" smtClean="0">
-                <a:solidFill>
-                  <a:schemeClr val="bg1"/>
-                </a:solidFill>
-                <a:latin typeface="DIN Alternate" charset="0"/>
-                <a:ea typeface="DIN Alternate" charset="0"/>
-                <a:cs typeface="DIN Alternate" charset="0"/>
-              </a:rPr>
-              <a:t>examples</a:t>
+              <a:t>Code examples</a:t>
             </a:r>
           </a:p>
           <a:p>
@@ -11571,8 +12463,8 @@
         </p:nvSpPr>
         <p:spPr>
           <a:xfrm>
-            <a:off x="685800" y="1589291"/>
-            <a:ext cx="10658959" cy="2677656"/>
+            <a:off x="674370" y="1158404"/>
+            <a:ext cx="10658959" cy="5262979"/>
           </a:xfrm>
           <a:prstGeom prst="rect">
             <a:avLst/>
@@ -11601,8 +12493,118 @@
                 <a:ea typeface="DIN Alternate" charset="0"/>
                 <a:cs typeface="DIN Alternate" charset="0"/>
               </a:rPr>
-              <a:t>Intro &amp; set up (25 mins)</a:t>
-            </a:r>
+              <a:t>Intro (10 </a:t>
+            </a:r>
+            <a:r>
+              <a:rPr lang="en-US" sz="2800" dirty="0" smtClean="0">
+                <a:solidFill>
+                  <a:schemeClr val="bg1"/>
+                </a:solidFill>
+                <a:latin typeface="DIN Alternate" charset="0"/>
+                <a:ea typeface="DIN Alternate" charset="0"/>
+                <a:cs typeface="DIN Alternate" charset="0"/>
+              </a:rPr>
+              <a:t>mins</a:t>
+            </a:r>
+            <a:r>
+              <a:rPr lang="en-US" sz="2800" dirty="0" smtClean="0">
+                <a:solidFill>
+                  <a:schemeClr val="bg1"/>
+                </a:solidFill>
+                <a:latin typeface="DIN Alternate" charset="0"/>
+                <a:ea typeface="DIN Alternate" charset="0"/>
+                <a:cs typeface="DIN Alternate" charset="0"/>
+              </a:rPr>
+              <a:t>)</a:t>
+            </a:r>
+          </a:p>
+          <a:p>
+            <a:pPr marL="457200" indent="-457200">
+              <a:lnSpc>
+                <a:spcPct val="150000"/>
+              </a:lnSpc>
+              <a:buFont typeface="Arial" charset="0"/>
+              <a:buChar char="•"/>
+            </a:pPr>
+            <a:r>
+              <a:rPr lang="en-US" sz="2800" dirty="0" smtClean="0">
+                <a:solidFill>
+                  <a:schemeClr val="bg1"/>
+                </a:solidFill>
+                <a:latin typeface="DIN Alternate" charset="0"/>
+                <a:ea typeface="DIN Alternate" charset="0"/>
+                <a:cs typeface="DIN Alternate" charset="0"/>
+              </a:rPr>
+              <a:t>Set up (15 mins)</a:t>
+            </a:r>
+          </a:p>
+          <a:p>
+            <a:pPr marL="914400" lvl="1" indent="-457200">
+              <a:lnSpc>
+                <a:spcPct val="150000"/>
+              </a:lnSpc>
+              <a:buFont typeface="Arial" charset="0"/>
+              <a:buChar char="•"/>
+            </a:pPr>
+            <a:r>
+              <a:rPr lang="en-US" sz="2800" dirty="0" smtClean="0">
+                <a:solidFill>
+                  <a:schemeClr val="bg1"/>
+                </a:solidFill>
+                <a:latin typeface="DIN Alternate" charset="0"/>
+                <a:ea typeface="DIN Alternate" charset="0"/>
+                <a:cs typeface="DIN Alternate" charset="0"/>
+              </a:rPr>
+              <a:t>What we’re building</a:t>
+            </a:r>
+          </a:p>
+          <a:p>
+            <a:pPr marL="914400" lvl="1" indent="-457200">
+              <a:lnSpc>
+                <a:spcPct val="150000"/>
+              </a:lnSpc>
+              <a:buFont typeface="Arial" charset="0"/>
+              <a:buChar char="•"/>
+            </a:pPr>
+            <a:r>
+              <a:rPr lang="en-US" sz="2800" dirty="0" smtClean="0">
+                <a:solidFill>
+                  <a:schemeClr val="bg1"/>
+                </a:solidFill>
+                <a:latin typeface="DIN Alternate" charset="0"/>
+                <a:ea typeface="DIN Alternate" charset="0"/>
+                <a:cs typeface="DIN Alternate" charset="0"/>
+              </a:rPr>
+              <a:t>Tools &amp; technologies</a:t>
+            </a:r>
+          </a:p>
+          <a:p>
+            <a:pPr marL="914400" lvl="1" indent="-457200">
+              <a:lnSpc>
+                <a:spcPct val="150000"/>
+              </a:lnSpc>
+              <a:buFont typeface="Arial" charset="0"/>
+              <a:buChar char="•"/>
+            </a:pPr>
+            <a:r>
+              <a:rPr lang="en-US" sz="2800" dirty="0" smtClean="0">
+                <a:solidFill>
+                  <a:schemeClr val="bg1"/>
+                </a:solidFill>
+                <a:latin typeface="DIN Alternate" charset="0"/>
+                <a:ea typeface="DIN Alternate" charset="0"/>
+                <a:cs typeface="DIN Alternate" charset="0"/>
+              </a:rPr>
+              <a:t>Getting set up</a:t>
+            </a:r>
+            <a:endParaRPr lang="en-US" sz="2800" dirty="0" smtClean="0">
+              <a:solidFill>
+                <a:schemeClr val="bg1"/>
+              </a:solidFill>
+              <a:latin typeface="DIN Alternate" charset="0"/>
+              <a:ea typeface="DIN Alternate" charset="0"/>
+              <a:cs typeface="DIN Alternate" charset="0"/>
+            </a:endParaRPr>
           </a:p>
           <a:p>
             <a:pPr marL="457200" indent="-457200">
@@ -11733,13 +12735,18 @@
           <a:p>
             <a:pPr algn="ctr"/>
             <a:r>
-              <a:rPr lang="en-US" sz="6000" dirty="0">
-                <a:latin typeface="DIN Alternate" charset="0"/>
-                <a:ea typeface="DIN Alternate" charset="0"/>
-                <a:cs typeface="DIN Alternate" charset="0"/>
-              </a:rPr>
-              <a:t>page structure</a:t>
-            </a:r>
+              <a:rPr lang="en-US" sz="6000" dirty="0" smtClean="0">
+                <a:latin typeface="DIN Alternate" charset="0"/>
+                <a:ea typeface="DIN Alternate" charset="0"/>
+                <a:cs typeface="DIN Alternate" charset="0"/>
+              </a:rPr>
+              <a:t>Week One</a:t>
+            </a:r>
+            <a:endParaRPr lang="en-US" sz="6000" dirty="0">
+              <a:latin typeface="DIN Alternate" charset="0"/>
+              <a:ea typeface="DIN Alternate" charset="0"/>
+              <a:cs typeface="DIN Alternate" charset="0"/>
+            </a:endParaRPr>
           </a:p>
         </p:txBody>
       </p:sp>
@@ -11773,119 +12780,40 @@
           </a:prstGeom>
         </p:spPr>
       </p:pic>
-      <p:sp>
-        <p:nvSpPr>
-          <p:cNvPr id="3" name="TextBox 2"/>
-          <p:cNvSpPr txBox="1"/>
+      <p:pic>
+        <p:nvPicPr>
+          <p:cNvPr id="2" name="Picture 1"/>
+          <p:cNvPicPr>
+            <a:picLocks noChangeAspect="1"/>
+          </p:cNvPicPr>
           <p:nvPr/>
-        </p:nvSpPr>
-        <p:spPr>
-          <a:xfrm>
-            <a:off x="685800" y="1589291"/>
-            <a:ext cx="10658959" cy="2677656"/>
+        </p:nvPicPr>
+        <p:blipFill>
+          <a:blip r:embed="rId4">
+            <a:extLst>
+              <a:ext uri="{28A0092B-C50C-407E-A947-70E740481C1C}">
+                <a14:useLocalDpi xmlns:a14="http://schemas.microsoft.com/office/drawing/2010/main" val="0"/>
+              </a:ext>
+            </a:extLst>
+          </a:blip>
+          <a:stretch>
+            <a:fillRect/>
+          </a:stretch>
+        </p:blipFill>
+        <p:spPr>
+          <a:xfrm>
+            <a:off x="3630930" y="0"/>
+            <a:ext cx="4263253" cy="6858000"/>
           </a:xfrm>
           <a:prstGeom prst="rect">
             <a:avLst/>
           </a:prstGeom>
-          <a:noFill/>
-        </p:spPr>
-        <p:txBody>
-          <a:bodyPr wrap="square" rtlCol="0">
-            <a:spAutoFit/>
-          </a:bodyPr>
-          <a:lstStyle/>
-          <a:p>
-            <a:pPr marL="457200" indent="-457200">
-              <a:lnSpc>
-                <a:spcPct val="150000"/>
-              </a:lnSpc>
-              <a:buFont typeface="Arial" charset="0"/>
-              <a:buChar char="•"/>
-            </a:pPr>
-            <a:r>
-              <a:rPr lang="en-US" sz="2800" dirty="0" smtClean="0">
-                <a:solidFill>
-                  <a:schemeClr val="bg1"/>
-                </a:solidFill>
-                <a:latin typeface="DIN Alternate" charset="0"/>
-                <a:ea typeface="DIN Alternate" charset="0"/>
-                <a:cs typeface="DIN Alternate" charset="0"/>
-              </a:rPr>
-              <a:t>Semantics: </a:t>
-            </a:r>
-            <a:r>
-              <a:rPr lang="en-US" sz="2800" dirty="0"/>
-              <a:t>the meaning or relationship of meanings of a </a:t>
-            </a:r>
-            <a:r>
-              <a:rPr lang="en-US" sz="2800" dirty="0">
-                <a:hlinkClick r:id="rId4" invalidUrl="http://www.merriam-webster.com/dictionary/sign[1]"/>
-              </a:rPr>
-              <a:t>sign</a:t>
-            </a:r>
-            <a:r>
-              <a:rPr lang="en-US" sz="2800" dirty="0"/>
-              <a:t> or set of </a:t>
-            </a:r>
-            <a:r>
-              <a:rPr lang="en-US" sz="2800" dirty="0" smtClean="0"/>
-              <a:t>signs</a:t>
-            </a:r>
-            <a:endParaRPr lang="en-US" sz="2800" dirty="0" smtClean="0">
-              <a:solidFill>
-                <a:schemeClr val="bg1"/>
-              </a:solidFill>
-              <a:latin typeface="DIN Alternate" charset="0"/>
-              <a:ea typeface="DIN Alternate" charset="0"/>
-              <a:cs typeface="DIN Alternate" charset="0"/>
-            </a:endParaRPr>
-          </a:p>
-          <a:p>
-            <a:pPr marL="457200" indent="-457200">
-              <a:lnSpc>
-                <a:spcPct val="150000"/>
-              </a:lnSpc>
-              <a:buFont typeface="Arial" charset="0"/>
-              <a:buChar char="•"/>
-            </a:pPr>
-            <a:r>
-              <a:rPr lang="en-US" sz="2800" dirty="0" smtClean="0">
-                <a:solidFill>
-                  <a:schemeClr val="bg1"/>
-                </a:solidFill>
-                <a:latin typeface="DIN Alternate" charset="0"/>
-                <a:ea typeface="DIN Alternate" charset="0"/>
-                <a:cs typeface="DIN Alternate" charset="0"/>
-              </a:rPr>
-              <a:t>Browsers are dumb</a:t>
-            </a:r>
-          </a:p>
-          <a:p>
-            <a:pPr marL="457200" indent="-457200">
-              <a:lnSpc>
-                <a:spcPct val="150000"/>
-              </a:lnSpc>
-              <a:buFont typeface="Arial" charset="0"/>
-              <a:buChar char="•"/>
-            </a:pPr>
-            <a:r>
-              <a:rPr lang="en-US" sz="2800" dirty="0" smtClean="0">
-                <a:solidFill>
-                  <a:schemeClr val="bg1"/>
-                </a:solidFill>
-                <a:latin typeface="DIN Alternate" charset="0"/>
-                <a:ea typeface="DIN Alternate" charset="0"/>
-                <a:cs typeface="DIN Alternate" charset="0"/>
-              </a:rPr>
-              <a:t>They need help understanding the content they’re given</a:t>
-            </a:r>
-          </a:p>
-        </p:txBody>
-      </p:sp>
+        </p:spPr>
+      </p:pic>
     </p:spTree>
     <p:extLst>
       <p:ext uri="{BB962C8B-B14F-4D97-AF65-F5344CB8AC3E}">
-        <p14:creationId xmlns:p14="http://schemas.microsoft.com/office/powerpoint/2010/main" val="1883856812"/>
+        <p14:creationId xmlns:p14="http://schemas.microsoft.com/office/powerpoint/2010/main" val="1552869896"/>
       </p:ext>
     </p:extLst>
   </p:cSld>
@@ -11941,13 +12869,18 @@
           <a:p>
             <a:pPr algn="ctr"/>
             <a:r>
-              <a:rPr lang="en-US" sz="6000" dirty="0">
-                <a:latin typeface="DIN Alternate" charset="0"/>
-                <a:ea typeface="DIN Alternate" charset="0"/>
-                <a:cs typeface="DIN Alternate" charset="0"/>
-              </a:rPr>
-              <a:t>page structure</a:t>
-            </a:r>
+              <a:rPr lang="en-US" sz="6000" dirty="0" smtClean="0">
+                <a:latin typeface="DIN Alternate" charset="0"/>
+                <a:ea typeface="DIN Alternate" charset="0"/>
+                <a:cs typeface="DIN Alternate" charset="0"/>
+              </a:rPr>
+              <a:t>Tools &amp; technologies</a:t>
+            </a:r>
+            <a:endParaRPr lang="en-US" sz="6000" dirty="0">
+              <a:latin typeface="DIN Alternate" charset="0"/>
+              <a:ea typeface="DIN Alternate" charset="0"/>
+              <a:cs typeface="DIN Alternate" charset="0"/>
+            </a:endParaRPr>
           </a:p>
         </p:txBody>
       </p:sp>
@@ -11983,13 +12916,13 @@
       </p:pic>
       <p:sp>
         <p:nvSpPr>
-          <p:cNvPr id="3" name="TextBox 2"/>
+          <p:cNvPr id="8" name="TextBox 7"/>
           <p:cNvSpPr txBox="1"/>
           <p:nvPr/>
         </p:nvSpPr>
         <p:spPr>
           <a:xfrm>
-            <a:off x="685800" y="1341318"/>
+            <a:off x="662940" y="1352714"/>
             <a:ext cx="10658959" cy="5262979"/>
           </a:xfrm>
           <a:prstGeom prst="rect">
@@ -12003,23 +12936,14 @@
           </a:bodyPr>
           <a:lstStyle/>
           <a:p>
-            <a:pPr>
+            <a:pPr marL="457200" indent="-457200">
               <a:lnSpc>
                 <a:spcPct val="150000"/>
               </a:lnSpc>
+              <a:buFont typeface="Arial" charset="0"/>
+              <a:buChar char="•"/>
             </a:pPr>
             <a:r>
-              <a:rPr lang="en-US" sz="2800" dirty="0">
-                <a:solidFill>
-                  <a:schemeClr val="bg1"/>
-                </a:solidFill>
-                <a:latin typeface="DIN Alternate" charset="0"/>
-                <a:ea typeface="DIN Alternate" charset="0"/>
-                <a:cs typeface="DIN Alternate" charset="0"/>
-              </a:rPr>
-              <a:t>Basic Page </a:t>
-            </a:r>
-            <a:r>
               <a:rPr lang="en-US" sz="2800" dirty="0" smtClean="0">
                 <a:solidFill>
                   <a:schemeClr val="bg1"/>
@@ -12028,14 +12952,16 @@
                 <a:ea typeface="DIN Alternate" charset="0"/>
                 <a:cs typeface="DIN Alternate" charset="0"/>
               </a:rPr>
-              <a:t>Structure:</a:t>
-            </a:r>
-          </a:p>
-          <a:p>
-            <a:pPr>
+              <a:t>Browsers</a:t>
+            </a:r>
+          </a:p>
+          <a:p>
+            <a:pPr marL="914400" lvl="1" indent="-457200">
               <a:lnSpc>
                 <a:spcPct val="150000"/>
               </a:lnSpc>
+              <a:buFont typeface="Arial" charset="0"/>
+              <a:buChar char="•"/>
             </a:pPr>
             <a:r>
               <a:rPr lang="en-US" sz="2800" dirty="0" smtClean="0">
@@ -12046,139 +12972,9 @@
                 <a:ea typeface="DIN Alternate" charset="0"/>
                 <a:cs typeface="DIN Alternate" charset="0"/>
               </a:rPr>
-              <a:t>&lt;</a:t>
-            </a:r>
-            <a:r>
-              <a:rPr lang="en-US" sz="2800" dirty="0">
-                <a:solidFill>
-                  <a:schemeClr val="bg1"/>
-                </a:solidFill>
-                <a:latin typeface="DIN Alternate" charset="0"/>
-                <a:ea typeface="DIN Alternate" charset="0"/>
-                <a:cs typeface="DIN Alternate" charset="0"/>
-              </a:rPr>
-              <a:t>html</a:t>
-            </a:r>
-            <a:r>
-              <a:rPr lang="en-US" sz="2800" dirty="0" smtClean="0">
-                <a:solidFill>
-                  <a:schemeClr val="bg1"/>
-                </a:solidFill>
-                <a:latin typeface="DIN Alternate" charset="0"/>
-                <a:ea typeface="DIN Alternate" charset="0"/>
-                <a:cs typeface="DIN Alternate" charset="0"/>
-              </a:rPr>
-              <a:t>&gt;</a:t>
-            </a:r>
-          </a:p>
-          <a:p>
-            <a:pPr>
-              <a:lnSpc>
-                <a:spcPct val="150000"/>
-              </a:lnSpc>
-            </a:pPr>
-            <a:r>
-              <a:rPr lang="en-US" sz="2800" dirty="0" smtClean="0">
-                <a:solidFill>
-                  <a:schemeClr val="bg1"/>
-                </a:solidFill>
-                <a:latin typeface="DIN Alternate" charset="0"/>
-                <a:ea typeface="DIN Alternate" charset="0"/>
-                <a:cs typeface="DIN Alternate" charset="0"/>
-              </a:rPr>
-              <a:t>&lt;head&gt;</a:t>
-            </a:r>
-          </a:p>
-          <a:p>
-            <a:pPr>
-              <a:lnSpc>
-                <a:spcPct val="150000"/>
-              </a:lnSpc>
-            </a:pPr>
-            <a:r>
-              <a:rPr lang="en-US" sz="2800" dirty="0" smtClean="0">
-                <a:solidFill>
-                  <a:schemeClr val="bg1"/>
-                </a:solidFill>
-                <a:latin typeface="DIN Alternate" charset="0"/>
-                <a:ea typeface="DIN Alternate" charset="0"/>
-                <a:cs typeface="DIN Alternate" charset="0"/>
-              </a:rPr>
-              <a:t>&lt;body&gt; </a:t>
-            </a:r>
-          </a:p>
-          <a:p>
-            <a:pPr>
-              <a:lnSpc>
-                <a:spcPct val="150000"/>
-              </a:lnSpc>
-            </a:pPr>
-            <a:r>
-              <a:rPr lang="en-US" sz="2800" dirty="0" smtClean="0">
-                <a:solidFill>
-                  <a:schemeClr val="bg1"/>
-                </a:solidFill>
-                <a:latin typeface="DIN Alternate" charset="0"/>
-                <a:ea typeface="DIN Alternate" charset="0"/>
-                <a:cs typeface="DIN Alternate" charset="0"/>
-              </a:rPr>
-              <a:t>&lt;header&gt;</a:t>
-            </a:r>
-          </a:p>
-          <a:p>
-            <a:pPr>
-              <a:lnSpc>
-                <a:spcPct val="150000"/>
-              </a:lnSpc>
-            </a:pPr>
-            <a:r>
-              <a:rPr lang="en-US" sz="2800" dirty="0" smtClean="0">
-                <a:solidFill>
-                  <a:schemeClr val="bg1"/>
-                </a:solidFill>
-                <a:latin typeface="DIN Alternate" charset="0"/>
-                <a:ea typeface="DIN Alternate" charset="0"/>
-                <a:cs typeface="DIN Alternate" charset="0"/>
-              </a:rPr>
-              <a:t>&lt;main&gt;</a:t>
-            </a:r>
-          </a:p>
-          <a:p>
-            <a:pPr>
-              <a:lnSpc>
-                <a:spcPct val="150000"/>
-              </a:lnSpc>
-            </a:pPr>
-            <a:r>
-              <a:rPr lang="en-US" sz="2800" dirty="0" smtClean="0">
-                <a:solidFill>
-                  <a:schemeClr val="bg1"/>
-                </a:solidFill>
-                <a:latin typeface="DIN Alternate" charset="0"/>
-                <a:ea typeface="DIN Alternate" charset="0"/>
-                <a:cs typeface="DIN Alternate" charset="0"/>
-              </a:rPr>
-              <a:t>&lt;footer&gt; </a:t>
-            </a:r>
-          </a:p>
-          <a:p>
-            <a:pPr>
-              <a:lnSpc>
-                <a:spcPct val="150000"/>
-              </a:lnSpc>
-            </a:pPr>
-            <a:r>
-              <a:rPr lang="en-US" sz="2800" dirty="0" smtClean="0">
-                <a:solidFill>
-                  <a:schemeClr val="bg1"/>
-                </a:solidFill>
-                <a:latin typeface="DIN Alternate" charset="0"/>
-                <a:ea typeface="DIN Alternate" charset="0"/>
-                <a:cs typeface="DIN Alternate" charset="0"/>
-              </a:rPr>
-              <a:t>&lt;aside&gt;</a:t>
-            </a:r>
-            <a:endParaRPr lang="en-US" sz="2800" dirty="0">
+              <a:t>Chrome</a:t>
+            </a:r>
+            <a:endParaRPr lang="en-US" sz="2800" dirty="0" smtClean="0">
               <a:solidFill>
                 <a:schemeClr val="bg1"/>
               </a:solidFill>
@@ -12187,44 +12983,260 @@
               <a:cs typeface="DIN Alternate" charset="0"/>
             </a:endParaRPr>
           </a:p>
-        </p:txBody>
-      </p:sp>
-      <p:sp>
-        <p:nvSpPr>
-          <p:cNvPr id="2" name="TextBox 1"/>
-          <p:cNvSpPr txBox="1"/>
-          <p:nvPr/>
-        </p:nvSpPr>
-        <p:spPr>
-          <a:xfrm>
-            <a:off x="10290875" y="817098"/>
-            <a:ext cx="1506310" cy="369332"/>
-          </a:xfrm>
-          <a:prstGeom prst="rect">
-            <a:avLst/>
-          </a:prstGeom>
-          <a:noFill/>
-        </p:spPr>
-        <p:txBody>
-          <a:bodyPr wrap="none" rtlCol="0">
-            <a:spAutoFit/>
-          </a:bodyPr>
-          <a:lstStyle/>
-          <a:p>
-            <a:r>
-              <a:rPr lang="en-US" dirty="0" smtClean="0">
+          <a:p>
+            <a:pPr marL="457200" indent="-457200">
+              <a:lnSpc>
+                <a:spcPct val="150000"/>
+              </a:lnSpc>
+              <a:buFont typeface="Arial" charset="0"/>
+              <a:buChar char="•"/>
+            </a:pPr>
+            <a:r>
+              <a:rPr lang="en-US" sz="2800" dirty="0" smtClean="0">
+                <a:solidFill>
+                  <a:schemeClr val="bg1"/>
+                </a:solidFill>
+                <a:latin typeface="DIN Alternate" charset="0"/>
+                <a:ea typeface="DIN Alternate" charset="0"/>
+                <a:cs typeface="DIN Alternate" charset="0"/>
+              </a:rPr>
+              <a:t>Text editors (IDE’s)</a:t>
+            </a:r>
+          </a:p>
+          <a:p>
+            <a:pPr marL="914400" lvl="1" indent="-457200">
+              <a:lnSpc>
+                <a:spcPct val="150000"/>
+              </a:lnSpc>
+              <a:buFont typeface="Arial" charset="0"/>
+              <a:buChar char="•"/>
+            </a:pPr>
+            <a:r>
+              <a:rPr lang="en-US" sz="2800" dirty="0">
+                <a:solidFill>
+                  <a:schemeClr val="bg1"/>
+                </a:solidFill>
+                <a:latin typeface="DIN Alternate" charset="0"/>
+                <a:ea typeface="DIN Alternate" charset="0"/>
+                <a:cs typeface="DIN Alternate" charset="0"/>
+              </a:rPr>
+              <a:t>Sublime Text (</a:t>
+            </a:r>
+            <a:r>
+              <a:rPr lang="en-US" sz="2800" dirty="0">
+                <a:solidFill>
+                  <a:schemeClr val="bg1"/>
+                </a:solidFill>
+                <a:latin typeface="DIN Alternate" charset="0"/>
+                <a:ea typeface="DIN Alternate" charset="0"/>
+                <a:cs typeface="DIN Alternate" charset="0"/>
                 <a:hlinkClick r:id="rId4"/>
               </a:rPr>
-              <a:t>Weather From</a:t>
-            </a:r>
-            <a:endParaRPr lang="en-US" dirty="0" smtClean="0"/>
+              <a:t>https://</a:t>
+            </a:r>
+            <a:r>
+              <a:rPr lang="en-US" sz="2800" dirty="0" err="1">
+                <a:solidFill>
+                  <a:schemeClr val="bg1"/>
+                </a:solidFill>
+                <a:latin typeface="DIN Alternate" charset="0"/>
+                <a:ea typeface="DIN Alternate" charset="0"/>
+                <a:cs typeface="DIN Alternate" charset="0"/>
+                <a:hlinkClick r:id="rId4"/>
+              </a:rPr>
+              <a:t>www.sublimetext.com</a:t>
+            </a:r>
+            <a:r>
+              <a:rPr lang="en-US" sz="2800" dirty="0">
+                <a:solidFill>
+                  <a:schemeClr val="bg1"/>
+                </a:solidFill>
+                <a:latin typeface="DIN Alternate" charset="0"/>
+                <a:ea typeface="DIN Alternate" charset="0"/>
+                <a:cs typeface="DIN Alternate" charset="0"/>
+                <a:hlinkClick r:id="rId4"/>
+              </a:rPr>
+              <a:t>/download</a:t>
+            </a:r>
+            <a:r>
+              <a:rPr lang="en-US" sz="2800" dirty="0">
+                <a:solidFill>
+                  <a:schemeClr val="bg1"/>
+                </a:solidFill>
+                <a:latin typeface="DIN Alternate" charset="0"/>
+                <a:ea typeface="DIN Alternate" charset="0"/>
+                <a:cs typeface="DIN Alternate" charset="0"/>
+              </a:rPr>
+              <a:t>)</a:t>
+            </a:r>
+            <a:endParaRPr lang="en-US" sz="2800" dirty="0" smtClean="0">
+              <a:solidFill>
+                <a:schemeClr val="bg1"/>
+              </a:solidFill>
+              <a:latin typeface="DIN Alternate" charset="0"/>
+              <a:ea typeface="DIN Alternate" charset="0"/>
+              <a:cs typeface="DIN Alternate" charset="0"/>
+            </a:endParaRPr>
+          </a:p>
+          <a:p>
+            <a:pPr marL="457200" indent="-457200">
+              <a:lnSpc>
+                <a:spcPct val="150000"/>
+              </a:lnSpc>
+              <a:buFont typeface="Arial" charset="0"/>
+              <a:buChar char="•"/>
+            </a:pPr>
+            <a:r>
+              <a:rPr lang="en-US" sz="2800" dirty="0" smtClean="0">
+                <a:solidFill>
+                  <a:schemeClr val="bg1"/>
+                </a:solidFill>
+                <a:latin typeface="DIN Alternate" charset="0"/>
+                <a:ea typeface="DIN Alternate" charset="0"/>
+                <a:cs typeface="DIN Alternate" charset="0"/>
+              </a:rPr>
+              <a:t>Repositories</a:t>
+            </a:r>
+          </a:p>
+          <a:p>
+            <a:pPr marL="914400" lvl="1" indent="-457200">
+              <a:lnSpc>
+                <a:spcPct val="150000"/>
+              </a:lnSpc>
+              <a:buFont typeface="Arial" charset="0"/>
+              <a:buChar char="•"/>
+            </a:pPr>
+            <a:r>
+              <a:rPr lang="en-US" sz="2800" dirty="0" err="1" smtClean="0">
+                <a:solidFill>
+                  <a:schemeClr val="bg1"/>
+                </a:solidFill>
+                <a:latin typeface="DIN Alternate" charset="0"/>
+                <a:ea typeface="DIN Alternate" charset="0"/>
+                <a:cs typeface="DIN Alternate" charset="0"/>
+              </a:rPr>
+              <a:t>Github</a:t>
+            </a:r>
+            <a:r>
+              <a:rPr lang="en-US" sz="2800" dirty="0">
+                <a:solidFill>
+                  <a:schemeClr val="bg1"/>
+                </a:solidFill>
+                <a:latin typeface="DIN Alternate" charset="0"/>
+                <a:ea typeface="DIN Alternate" charset="0"/>
+                <a:cs typeface="DIN Alternate" charset="0"/>
+              </a:rPr>
+              <a:t> (</a:t>
+            </a:r>
+            <a:r>
+              <a:rPr lang="en-US" sz="2800" dirty="0">
+                <a:solidFill>
+                  <a:schemeClr val="bg1"/>
+                </a:solidFill>
+                <a:latin typeface="DIN Alternate" charset="0"/>
+                <a:ea typeface="DIN Alternate" charset="0"/>
+                <a:cs typeface="DIN Alternate" charset="0"/>
+                <a:hlinkClick r:id="rId5"/>
+              </a:rPr>
+              <a:t>https://</a:t>
+            </a:r>
+            <a:r>
+              <a:rPr lang="en-US" sz="2800" dirty="0" smtClean="0">
+                <a:solidFill>
+                  <a:schemeClr val="bg1"/>
+                </a:solidFill>
+                <a:latin typeface="DIN Alternate" charset="0"/>
+                <a:ea typeface="DIN Alternate" charset="0"/>
+                <a:cs typeface="DIN Alternate" charset="0"/>
+                <a:hlinkClick r:id="rId5"/>
+              </a:rPr>
+              <a:t>github.com/glenelkins/front-end-workshop)</a:t>
+            </a:r>
+            <a:endParaRPr lang="en-US" sz="2800" dirty="0" smtClean="0">
+              <a:solidFill>
+                <a:schemeClr val="bg1"/>
+              </a:solidFill>
+              <a:latin typeface="DIN Alternate" charset="0"/>
+              <a:ea typeface="DIN Alternate" charset="0"/>
+              <a:cs typeface="DIN Alternate" charset="0"/>
+            </a:endParaRPr>
+          </a:p>
+          <a:p>
+            <a:pPr marL="457200" indent="-457200">
+              <a:lnSpc>
+                <a:spcPct val="150000"/>
+              </a:lnSpc>
+              <a:buFont typeface="Arial" charset="0"/>
+              <a:buChar char="•"/>
+            </a:pPr>
+            <a:r>
+              <a:rPr lang="en-US" sz="2800" dirty="0" smtClean="0">
+                <a:solidFill>
+                  <a:schemeClr val="bg1"/>
+                </a:solidFill>
+                <a:latin typeface="DIN Alternate" charset="0"/>
+                <a:ea typeface="DIN Alternate" charset="0"/>
+                <a:cs typeface="DIN Alternate" charset="0"/>
+              </a:rPr>
+              <a:t>Local environment</a:t>
+            </a:r>
+          </a:p>
+          <a:p>
+            <a:pPr marL="914400" lvl="1" indent="-457200">
+              <a:lnSpc>
+                <a:spcPct val="150000"/>
+              </a:lnSpc>
+              <a:buFont typeface="Arial" charset="0"/>
+              <a:buChar char="•"/>
+            </a:pPr>
+            <a:r>
+              <a:rPr lang="en-US" sz="2800" dirty="0">
+                <a:solidFill>
+                  <a:schemeClr val="bg1"/>
+                </a:solidFill>
+                <a:latin typeface="DIN Alternate" charset="0"/>
+                <a:ea typeface="DIN Alternate" charset="0"/>
+                <a:cs typeface="DIN Alternate" charset="0"/>
+              </a:rPr>
+              <a:t>python -m </a:t>
+            </a:r>
+            <a:r>
+              <a:rPr lang="en-US" sz="2800" dirty="0" err="1">
+                <a:solidFill>
+                  <a:schemeClr val="bg1"/>
+                </a:solidFill>
+                <a:latin typeface="DIN Alternate" charset="0"/>
+                <a:ea typeface="DIN Alternate" charset="0"/>
+                <a:cs typeface="DIN Alternate" charset="0"/>
+              </a:rPr>
+              <a:t>SimpleHTTPServer</a:t>
+            </a:r>
+            <a:r>
+              <a:rPr lang="en-US" sz="2800" dirty="0">
+                <a:solidFill>
+                  <a:schemeClr val="bg1"/>
+                </a:solidFill>
+                <a:latin typeface="DIN Alternate" charset="0"/>
+                <a:ea typeface="DIN Alternate" charset="0"/>
+                <a:cs typeface="DIN Alternate" charset="0"/>
+              </a:rPr>
+              <a:t> 8000</a:t>
+            </a:r>
+            <a:endParaRPr lang="en-US" sz="2800" dirty="0" smtClean="0">
+              <a:solidFill>
+                <a:schemeClr val="bg1"/>
+              </a:solidFill>
+              <a:latin typeface="DIN Alternate" charset="0"/>
+              <a:ea typeface="DIN Alternate" charset="0"/>
+              <a:cs typeface="DIN Alternate" charset="0"/>
+            </a:endParaRPr>
           </a:p>
         </p:txBody>
       </p:sp>
     </p:spTree>
     <p:extLst>
       <p:ext uri="{BB962C8B-B14F-4D97-AF65-F5344CB8AC3E}">
-        <p14:creationId xmlns:p14="http://schemas.microsoft.com/office/powerpoint/2010/main" val="1876774147"/>
+        <p14:creationId xmlns:p14="http://schemas.microsoft.com/office/powerpoint/2010/main" val="946732973"/>
       </p:ext>
     </p:extLst>
   </p:cSld>
@@ -12328,8 +13340,8 @@
         </p:nvSpPr>
         <p:spPr>
           <a:xfrm>
-            <a:off x="685800" y="1341318"/>
-            <a:ext cx="10658959" cy="5262979"/>
+            <a:off x="685800" y="1589291"/>
+            <a:ext cx="10658959" cy="2677656"/>
           </a:xfrm>
           <a:prstGeom prst="rect">
             <a:avLst/>
@@ -12342,182 +13354,43 @@
           </a:bodyPr>
           <a:lstStyle/>
           <a:p>
-            <a:pPr>
+            <a:pPr marL="457200" indent="-457200">
               <a:lnSpc>
                 <a:spcPct val="150000"/>
               </a:lnSpc>
+              <a:buFont typeface="Arial" charset="0"/>
+              <a:buChar char="•"/>
             </a:pPr>
             <a:r>
+              <a:rPr lang="en-US" sz="2800" dirty="0" smtClean="0">
+                <a:solidFill>
+                  <a:schemeClr val="bg1"/>
+                </a:solidFill>
+                <a:latin typeface="DIN Alternate" charset="0"/>
+                <a:ea typeface="DIN Alternate" charset="0"/>
+                <a:cs typeface="DIN Alternate" charset="0"/>
+              </a:rPr>
+              <a:t>Semantics: </a:t>
+            </a:r>
+            <a:r>
+              <a:rPr lang="en-US" sz="2800" dirty="0"/>
+              <a:t>the meaning or relationship of meanings of a </a:t>
+            </a:r>
+            <a:r>
               <a:rPr lang="en-US" sz="2800" dirty="0">
-                <a:solidFill>
-                  <a:schemeClr val="bg1"/>
-                </a:solidFill>
-                <a:latin typeface="DIN Alternate" charset="0"/>
-                <a:ea typeface="DIN Alternate" charset="0"/>
-                <a:cs typeface="DIN Alternate" charset="0"/>
-              </a:rPr>
-              <a:t>Basic Page </a:t>
-            </a:r>
-            <a:r>
-              <a:rPr lang="en-US" sz="2800" dirty="0" smtClean="0">
-                <a:solidFill>
-                  <a:schemeClr val="bg1"/>
-                </a:solidFill>
-                <a:latin typeface="DIN Alternate" charset="0"/>
-                <a:ea typeface="DIN Alternate" charset="0"/>
-                <a:cs typeface="DIN Alternate" charset="0"/>
-              </a:rPr>
-              <a:t>Structure:</a:t>
-            </a:r>
-          </a:p>
-          <a:p>
-            <a:pPr>
-              <a:lnSpc>
-                <a:spcPct val="150000"/>
-              </a:lnSpc>
-            </a:pPr>
-            <a:r>
-              <a:rPr lang="en-US" sz="2800" dirty="0" smtClean="0">
-                <a:solidFill>
-                  <a:schemeClr val="bg1"/>
-                </a:solidFill>
-                <a:latin typeface="DIN Alternate" charset="0"/>
-                <a:ea typeface="DIN Alternate" charset="0"/>
-                <a:cs typeface="DIN Alternate" charset="0"/>
-              </a:rPr>
-              <a:t>&lt;</a:t>
-            </a:r>
-            <a:r>
-              <a:rPr lang="en-US" sz="2800" dirty="0">
-                <a:solidFill>
-                  <a:schemeClr val="bg1"/>
-                </a:solidFill>
-                <a:latin typeface="DIN Alternate" charset="0"/>
-                <a:ea typeface="DIN Alternate" charset="0"/>
-                <a:cs typeface="DIN Alternate" charset="0"/>
-              </a:rPr>
-              <a:t>html</a:t>
-            </a:r>
-            <a:r>
-              <a:rPr lang="en-US" sz="2800" dirty="0" smtClean="0">
-                <a:solidFill>
-                  <a:schemeClr val="bg1"/>
-                </a:solidFill>
-                <a:latin typeface="DIN Alternate" charset="0"/>
-                <a:ea typeface="DIN Alternate" charset="0"/>
-                <a:cs typeface="DIN Alternate" charset="0"/>
-              </a:rPr>
-              <a:t>&gt; - Tells the browser “Hey! This is HTML”</a:t>
-            </a:r>
-          </a:p>
-          <a:p>
-            <a:pPr>
-              <a:lnSpc>
-                <a:spcPct val="150000"/>
-              </a:lnSpc>
-            </a:pPr>
-            <a:r>
-              <a:rPr lang="en-US" sz="2800" dirty="0" smtClean="0">
-                <a:solidFill>
-                  <a:schemeClr val="bg1"/>
-                </a:solidFill>
-                <a:latin typeface="DIN Alternate" charset="0"/>
-                <a:ea typeface="DIN Alternate" charset="0"/>
-                <a:cs typeface="DIN Alternate" charset="0"/>
-              </a:rPr>
-              <a:t>&lt;head&gt;</a:t>
-            </a:r>
-          </a:p>
-          <a:p>
-            <a:pPr>
-              <a:lnSpc>
-                <a:spcPct val="150000"/>
-              </a:lnSpc>
-            </a:pPr>
-            <a:r>
-              <a:rPr lang="en-US" sz="2800" dirty="0" smtClean="0">
-                <a:solidFill>
-                  <a:schemeClr val="bg1"/>
-                </a:solidFill>
-                <a:latin typeface="DIN Alternate" charset="0"/>
-                <a:ea typeface="DIN Alternate" charset="0"/>
-                <a:cs typeface="DIN Alternate" charset="0"/>
-              </a:rPr>
-              <a:t>&lt;body&gt; </a:t>
-            </a:r>
-          </a:p>
-          <a:p>
-            <a:pPr>
-              <a:lnSpc>
-                <a:spcPct val="150000"/>
-              </a:lnSpc>
-            </a:pPr>
-            <a:r>
-              <a:rPr lang="en-US" sz="2800" dirty="0" smtClean="0">
-                <a:solidFill>
-                  <a:schemeClr val="bg1"/>
-                </a:solidFill>
-                <a:latin typeface="DIN Alternate" charset="0"/>
-                <a:ea typeface="DIN Alternate" charset="0"/>
-                <a:cs typeface="DIN Alternate" charset="0"/>
-              </a:rPr>
-              <a:t>&lt;header&gt;</a:t>
-            </a:r>
-          </a:p>
-          <a:p>
-            <a:pPr>
-              <a:lnSpc>
-                <a:spcPct val="150000"/>
-              </a:lnSpc>
-            </a:pPr>
-            <a:r>
-              <a:rPr lang="en-US" sz="2800" dirty="0" smtClean="0">
-                <a:solidFill>
-                  <a:schemeClr val="bg1"/>
-                </a:solidFill>
-                <a:latin typeface="DIN Alternate" charset="0"/>
-                <a:ea typeface="DIN Alternate" charset="0"/>
-                <a:cs typeface="DIN Alternate" charset="0"/>
-              </a:rPr>
-              <a:t>&lt;main&gt;</a:t>
-            </a:r>
-          </a:p>
-          <a:p>
-            <a:pPr>
-              <a:lnSpc>
-                <a:spcPct val="150000"/>
-              </a:lnSpc>
-            </a:pPr>
-            <a:r>
-              <a:rPr lang="en-US" sz="2800" dirty="0" smtClean="0">
-                <a:solidFill>
-                  <a:schemeClr val="bg1"/>
-                </a:solidFill>
-                <a:latin typeface="DIN Alternate" charset="0"/>
-                <a:ea typeface="DIN Alternate" charset="0"/>
-                <a:cs typeface="DIN Alternate" charset="0"/>
-              </a:rPr>
-              <a:t>&lt;footer&gt; </a:t>
-            </a:r>
-          </a:p>
-          <a:p>
-            <a:pPr>
-              <a:lnSpc>
-                <a:spcPct val="150000"/>
-              </a:lnSpc>
-            </a:pPr>
-            <a:r>
-              <a:rPr lang="en-US" sz="2800" dirty="0" smtClean="0">
-                <a:solidFill>
-                  <a:schemeClr val="bg1"/>
-                </a:solidFill>
-                <a:latin typeface="DIN Alternate" charset="0"/>
-                <a:ea typeface="DIN Alternate" charset="0"/>
-                <a:cs typeface="DIN Alternate" charset="0"/>
-              </a:rPr>
-              <a:t>&lt;aside&gt;</a:t>
-            </a:r>
-            <a:endParaRPr lang="en-US" sz="2800" dirty="0">
+                <a:hlinkClick r:id="rId4" invalidUrl="http://www.merriam-webster.com/dictionary/sign[1]"/>
+              </a:rPr>
+              <a:t>sign</a:t>
+            </a:r>
+            <a:r>
+              <a:rPr lang="en-US" sz="2800" dirty="0"/>
+              <a:t> or set of </a:t>
+            </a:r>
+            <a:r>
+              <a:rPr lang="en-US" sz="2800" dirty="0" smtClean="0"/>
+              <a:t>signs</a:t>
+            </a:r>
+            <a:endParaRPr lang="en-US" sz="2800" dirty="0" smtClean="0">
               <a:solidFill>
                 <a:schemeClr val="bg1"/>
               </a:solidFill>
@@ -12526,44 +13399,82 @@
               <a:cs typeface="DIN Alternate" charset="0"/>
             </a:endParaRPr>
           </a:p>
-        </p:txBody>
-      </p:sp>
-      <p:sp>
-        <p:nvSpPr>
-          <p:cNvPr id="2" name="TextBox 1"/>
-          <p:cNvSpPr txBox="1"/>
+          <a:p>
+            <a:pPr marL="457200" indent="-457200">
+              <a:lnSpc>
+                <a:spcPct val="150000"/>
+              </a:lnSpc>
+              <a:buFont typeface="Arial" charset="0"/>
+              <a:buChar char="•"/>
+            </a:pPr>
+            <a:r>
+              <a:rPr lang="en-US" sz="2800" dirty="0" smtClean="0">
+                <a:solidFill>
+                  <a:schemeClr val="bg1"/>
+                </a:solidFill>
+                <a:latin typeface="DIN Alternate" charset="0"/>
+                <a:ea typeface="DIN Alternate" charset="0"/>
+                <a:cs typeface="DIN Alternate" charset="0"/>
+              </a:rPr>
+              <a:t>Browsers are dumb</a:t>
+            </a:r>
+          </a:p>
+          <a:p>
+            <a:pPr marL="457200" indent="-457200">
+              <a:lnSpc>
+                <a:spcPct val="150000"/>
+              </a:lnSpc>
+              <a:buFont typeface="Arial" charset="0"/>
+              <a:buChar char="•"/>
+            </a:pPr>
+            <a:r>
+              <a:rPr lang="en-US" sz="2800" dirty="0" smtClean="0">
+                <a:solidFill>
+                  <a:schemeClr val="bg1"/>
+                </a:solidFill>
+                <a:latin typeface="DIN Alternate" charset="0"/>
+                <a:ea typeface="DIN Alternate" charset="0"/>
+                <a:cs typeface="DIN Alternate" charset="0"/>
+              </a:rPr>
+              <a:t>They need help understanding the content they’re given</a:t>
+            </a:r>
+          </a:p>
+        </p:txBody>
+      </p:sp>
+      <p:pic>
+        <p:nvPicPr>
+          <p:cNvPr id="2" name="Picture 1"/>
+          <p:cNvPicPr>
+            <a:picLocks noChangeAspect="1"/>
+          </p:cNvPicPr>
           <p:nvPr/>
-        </p:nvSpPr>
-        <p:spPr>
-          <a:xfrm>
-            <a:off x="10290875" y="817098"/>
-            <a:ext cx="1506310" cy="369332"/>
+        </p:nvPicPr>
+        <p:blipFill>
+          <a:blip r:embed="rId5">
+            <a:extLst>
+              <a:ext uri="{28A0092B-C50C-407E-A947-70E740481C1C}">
+                <a14:useLocalDpi xmlns:a14="http://schemas.microsoft.com/office/drawing/2010/main" val="0"/>
+              </a:ext>
+            </a:extLst>
+          </a:blip>
+          <a:stretch>
+            <a:fillRect/>
+          </a:stretch>
+        </p:blipFill>
+        <p:spPr>
+          <a:xfrm>
+            <a:off x="797560" y="4317198"/>
+            <a:ext cx="2852928" cy="1901952"/>
           </a:xfrm>
           <a:prstGeom prst="rect">
             <a:avLst/>
           </a:prstGeom>
-          <a:noFill/>
-        </p:spPr>
-        <p:txBody>
-          <a:bodyPr wrap="none" rtlCol="0">
-            <a:spAutoFit/>
-          </a:bodyPr>
-          <a:lstStyle/>
-          <a:p>
-            <a:r>
-              <a:rPr lang="en-US" dirty="0" smtClean="0">
-                <a:hlinkClick r:id="rId4"/>
-              </a:rPr>
-              <a:t>Weather From</a:t>
-            </a:r>
-            <a:endParaRPr lang="en-US" dirty="0" smtClean="0"/>
-          </a:p>
-        </p:txBody>
-      </p:sp>
+        </p:spPr>
+      </p:pic>
     </p:spTree>
     <p:extLst>
       <p:ext uri="{BB962C8B-B14F-4D97-AF65-F5344CB8AC3E}">
-        <p14:creationId xmlns:p14="http://schemas.microsoft.com/office/powerpoint/2010/main" val="15000792"/>
+        <p14:creationId xmlns:p14="http://schemas.microsoft.com/office/powerpoint/2010/main" val="1883856812"/>
       </p:ext>
     </p:extLst>
   </p:cSld>
@@ -12746,7 +13657,7 @@
                 <a:ea typeface="DIN Alternate" charset="0"/>
                 <a:cs typeface="DIN Alternate" charset="0"/>
               </a:rPr>
-              <a:t>&gt; - Tells the browser “Hey! This is HTML”</a:t>
+              <a:t>&gt;</a:t>
             </a:r>
           </a:p>
           <a:p>
@@ -12764,29 +13675,7 @@
                 <a:ea typeface="DIN Alternate" charset="0"/>
                 <a:cs typeface="DIN Alternate" charset="0"/>
               </a:rPr>
-              <a:t>&lt;</a:t>
-            </a:r>
-            <a:r>
-              <a:rPr lang="en-US" sz="2800" dirty="0">
-                <a:solidFill>
-                  <a:schemeClr val="bg1"/>
-                </a:solidFill>
-                <a:latin typeface="DIN Alternate" charset="0"/>
-                <a:ea typeface="DIN Alternate" charset="0"/>
-                <a:cs typeface="DIN Alternate" charset="0"/>
-              </a:rPr>
-              <a:t>head</a:t>
-            </a:r>
-            <a:r>
-              <a:rPr lang="en-US" sz="2800" dirty="0" smtClean="0">
-                <a:solidFill>
-                  <a:schemeClr val="bg1"/>
-                </a:solidFill>
-                <a:latin typeface="DIN Alternate" charset="0"/>
-                <a:ea typeface="DIN Alternate" charset="0"/>
-                <a:cs typeface="DIN Alternate" charset="0"/>
-              </a:rPr>
-              <a:t>&gt; - Contains (invisible) information about the whole page</a:t>
+              <a:t>&lt;head&gt;</a:t>
             </a:r>
           </a:p>
           <a:p>
@@ -12858,7 +13747,7 @@
                 <a:ea typeface="DIN Alternate" charset="0"/>
                 <a:cs typeface="DIN Alternate" charset="0"/>
               </a:rPr>
-              <a:t>&lt;footer&gt;</a:t>
+              <a:t>&lt;footer&gt; </a:t>
             </a:r>
           </a:p>
           <a:p>
@@ -12924,7 +13813,7 @@
     </p:spTree>
     <p:extLst>
       <p:ext uri="{BB962C8B-B14F-4D97-AF65-F5344CB8AC3E}">
-        <p14:creationId xmlns:p14="http://schemas.microsoft.com/office/powerpoint/2010/main" val="1600357707"/>
+        <p14:creationId xmlns:p14="http://schemas.microsoft.com/office/powerpoint/2010/main" val="1876774147"/>
       </p:ext>
     </p:extLst>
   </p:cSld>
@@ -13125,29 +14014,7 @@
                 <a:ea typeface="DIN Alternate" charset="0"/>
                 <a:cs typeface="DIN Alternate" charset="0"/>
               </a:rPr>
-              <a:t>&lt;</a:t>
-            </a:r>
-            <a:r>
-              <a:rPr lang="en-US" sz="2800" dirty="0">
-                <a:solidFill>
-                  <a:schemeClr val="bg1"/>
-                </a:solidFill>
-                <a:latin typeface="DIN Alternate" charset="0"/>
-                <a:ea typeface="DIN Alternate" charset="0"/>
-                <a:cs typeface="DIN Alternate" charset="0"/>
-              </a:rPr>
-              <a:t>head</a:t>
-            </a:r>
-            <a:r>
-              <a:rPr lang="en-US" sz="2800" dirty="0" smtClean="0">
-                <a:solidFill>
-                  <a:schemeClr val="bg1"/>
-                </a:solidFill>
-                <a:latin typeface="DIN Alternate" charset="0"/>
-                <a:ea typeface="DIN Alternate" charset="0"/>
-                <a:cs typeface="DIN Alternate" charset="0"/>
-              </a:rPr>
-              <a:t>&gt; - Contains (invisible) information about the whole page</a:t>
+              <a:t>&lt;head&gt;</a:t>
             </a:r>
           </a:p>
           <a:p>
@@ -13165,29 +14032,7 @@
                 <a:ea typeface="DIN Alternate" charset="0"/>
                 <a:cs typeface="DIN Alternate" charset="0"/>
               </a:rPr>
-              <a:t>&lt;</a:t>
-            </a:r>
-            <a:r>
-              <a:rPr lang="en-US" sz="2800" dirty="0">
-                <a:solidFill>
-                  <a:schemeClr val="bg1"/>
-                </a:solidFill>
-                <a:latin typeface="DIN Alternate" charset="0"/>
-                <a:ea typeface="DIN Alternate" charset="0"/>
-                <a:cs typeface="DIN Alternate" charset="0"/>
-              </a:rPr>
-              <a:t>body</a:t>
-            </a:r>
-            <a:r>
-              <a:rPr lang="en-US" sz="2800" dirty="0" smtClean="0">
-                <a:solidFill>
-                  <a:schemeClr val="bg1"/>
-                </a:solidFill>
-                <a:latin typeface="DIN Alternate" charset="0"/>
-                <a:ea typeface="DIN Alternate" charset="0"/>
-                <a:cs typeface="DIN Alternate" charset="0"/>
-              </a:rPr>
-              <a:t>&gt; - Contains the content of the page</a:t>
+              <a:t>&lt;body&gt; </a:t>
             </a:r>
           </a:p>
           <a:p>
@@ -13205,7 +14050,7 @@
                 <a:ea typeface="DIN Alternate" charset="0"/>
                 <a:cs typeface="DIN Alternate" charset="0"/>
               </a:rPr>
-              <a:t>&lt;header&gt; </a:t>
+              <a:t>&lt;header&gt;</a:t>
             </a:r>
           </a:p>
           <a:p>
@@ -13307,7 +14152,7 @@
     </p:spTree>
     <p:extLst>
       <p:ext uri="{BB962C8B-B14F-4D97-AF65-F5344CB8AC3E}">
-        <p14:creationId xmlns:p14="http://schemas.microsoft.com/office/powerpoint/2010/main" val="1771759011"/>
+        <p14:creationId xmlns:p14="http://schemas.microsoft.com/office/powerpoint/2010/main" val="15000792"/>
       </p:ext>
     </p:extLst>
   </p:cSld>

--- a/FEWorkshop-Week1.pptx
+++ b/FEWorkshop-Week1.pptx
@@ -249,7 +249,7 @@
           <a:p>
             <a:fld id="{A8E03A04-0626-44D4-B6D6-43B9D98023FD}" type="datetimeFigureOut">
               <a:rPr lang="en-US" smtClean="0"/>
-              <a:t>10/4/16</a:t>
+              <a:t>10/6/16</a:t>
             </a:fld>
             <a:endParaRPr lang="en-US"/>
           </a:p>
@@ -8355,6 +8355,61 @@
           </a:prstGeom>
         </p:spPr>
       </p:pic>
+      <p:sp>
+        <p:nvSpPr>
+          <p:cNvPr id="5" name="TextBox 4"/>
+          <p:cNvSpPr txBox="1"/>
+          <p:nvPr/>
+        </p:nvSpPr>
+        <p:spPr>
+          <a:xfrm>
+            <a:off x="683173" y="5145843"/>
+            <a:ext cx="2686954" cy="369332"/>
+          </a:xfrm>
+          <a:prstGeom prst="rect">
+            <a:avLst/>
+          </a:prstGeom>
+          <a:noFill/>
+        </p:spPr>
+        <p:txBody>
+          <a:bodyPr wrap="none" rtlCol="0">
+            <a:spAutoFit/>
+          </a:bodyPr>
+          <a:lstStyle/>
+          <a:p>
+            <a:r>
+              <a:rPr lang="en-US" dirty="0" smtClean="0">
+                <a:solidFill>
+                  <a:schemeClr val="bg1"/>
+                </a:solidFill>
+                <a:latin typeface="DIN Alternate" charset="0"/>
+                <a:ea typeface="DIN Alternate" charset="0"/>
+                <a:cs typeface="DIN Alternate" charset="0"/>
+              </a:rPr>
+              <a:t>WEEK One</a:t>
+            </a:r>
+            <a:r>
+              <a:rPr lang="en-US" smtClean="0">
+                <a:solidFill>
+                  <a:schemeClr val="bg1"/>
+                </a:solidFill>
+                <a:latin typeface="DIN Alternate" charset="0"/>
+                <a:ea typeface="DIN Alternate" charset="0"/>
+                <a:cs typeface="DIN Alternate" charset="0"/>
+              </a:rPr>
+              <a:t>: HTML BASICS</a:t>
+            </a:r>
+            <a:endParaRPr lang="en-US" dirty="0">
+              <a:solidFill>
+                <a:schemeClr val="bg1"/>
+              </a:solidFill>
+              <a:latin typeface="DIN Alternate" charset="0"/>
+              <a:ea typeface="DIN Alternate" charset="0"/>
+              <a:cs typeface="DIN Alternate" charset="0"/>
+            </a:endParaRPr>
+          </a:p>
+        </p:txBody>
+      </p:sp>
     </p:spTree>
     <p:extLst>
       <p:ext uri="{BB962C8B-B14F-4D97-AF65-F5344CB8AC3E}">
@@ -11659,7 +11714,7 @@
         <p:spPr>
           <a:xfrm>
             <a:off x="685800" y="1589291"/>
-            <a:ext cx="10658959" cy="3323987"/>
+            <a:ext cx="10658959" cy="2677656"/>
           </a:xfrm>
           <a:prstGeom prst="rect">
             <a:avLst/>
@@ -11730,7 +11785,29 @@
                 <a:ea typeface="DIN Alternate" charset="0"/>
                 <a:cs typeface="DIN Alternate" charset="0"/>
               </a:rPr>
-              <a:t>Use the “week one” folder (available on Google Drive) example as a guide.</a:t>
+              <a:t>Use the “week one” folder (available on </a:t>
+            </a:r>
+            <a:r>
+              <a:rPr lang="en-US" sz="2800" dirty="0" err="1" smtClean="0">
+                <a:solidFill>
+                  <a:schemeClr val="bg1"/>
+                </a:solidFill>
+                <a:latin typeface="DIN Alternate" charset="0"/>
+                <a:ea typeface="DIN Alternate" charset="0"/>
+                <a:cs typeface="DIN Alternate" charset="0"/>
+              </a:rPr>
+              <a:t>Github</a:t>
+            </a:r>
+            <a:r>
+              <a:rPr lang="en-US" sz="2800" dirty="0" smtClean="0">
+                <a:solidFill>
+                  <a:schemeClr val="bg1"/>
+                </a:solidFill>
+                <a:latin typeface="DIN Alternate" charset="0"/>
+                <a:ea typeface="DIN Alternate" charset="0"/>
+                <a:cs typeface="DIN Alternate" charset="0"/>
+              </a:rPr>
+              <a:t>) example as a guide.</a:t>
             </a:r>
             <a:endParaRPr lang="en-US" sz="2800" dirty="0">
               <a:solidFill>
@@ -12493,29 +12570,7 @@
                 <a:ea typeface="DIN Alternate" charset="0"/>
                 <a:cs typeface="DIN Alternate" charset="0"/>
               </a:rPr>
-              <a:t>Intro (10 </a:t>
-            </a:r>
-            <a:r>
-              <a:rPr lang="en-US" sz="2800" dirty="0" smtClean="0">
-                <a:solidFill>
-                  <a:schemeClr val="bg1"/>
-                </a:solidFill>
-                <a:latin typeface="DIN Alternate" charset="0"/>
-                <a:ea typeface="DIN Alternate" charset="0"/>
-                <a:cs typeface="DIN Alternate" charset="0"/>
-              </a:rPr>
-              <a:t>mins</a:t>
-            </a:r>
-            <a:r>
-              <a:rPr lang="en-US" sz="2800" dirty="0" smtClean="0">
-                <a:solidFill>
-                  <a:schemeClr val="bg1"/>
-                </a:solidFill>
-                <a:latin typeface="DIN Alternate" charset="0"/>
-                <a:ea typeface="DIN Alternate" charset="0"/>
-                <a:cs typeface="DIN Alternate" charset="0"/>
-              </a:rPr>
-              <a:t>)</a:t>
+              <a:t>Intro (10 mins)</a:t>
             </a:r>
           </a:p>
           <a:p>
@@ -12597,14 +12652,6 @@
               </a:rPr>
               <a:t>Getting set up</a:t>
             </a:r>
-            <a:endParaRPr lang="en-US" sz="2800" dirty="0" smtClean="0">
-              <a:solidFill>
-                <a:schemeClr val="bg1"/>
-              </a:solidFill>
-              <a:latin typeface="DIN Alternate" charset="0"/>
-              <a:ea typeface="DIN Alternate" charset="0"/>
-              <a:cs typeface="DIN Alternate" charset="0"/>
-            </a:endParaRPr>
           </a:p>
           <a:p>
             <a:pPr marL="457200" indent="-457200">
@@ -12974,14 +13021,6 @@
               </a:rPr>
               <a:t>Chrome</a:t>
             </a:r>
-            <a:endParaRPr lang="en-US" sz="2800" dirty="0" smtClean="0">
-              <a:solidFill>
-                <a:schemeClr val="bg1"/>
-              </a:solidFill>
-              <a:latin typeface="DIN Alternate" charset="0"/>
-              <a:ea typeface="DIN Alternate" charset="0"/>
-              <a:cs typeface="DIN Alternate" charset="0"/>
-            </a:endParaRPr>
           </a:p>
           <a:p>
             <a:pPr marL="457200" indent="-457200">
@@ -13578,7 +13617,7 @@
         </p:nvSpPr>
         <p:spPr>
           <a:xfrm>
-            <a:off x="685800" y="1341318"/>
+            <a:off x="685800" y="1349631"/>
             <a:ext cx="10658959" cy="5262979"/>
           </a:xfrm>
           <a:prstGeom prst="rect">
